--- a/ppt/0324_2조 프로젝트 주제 발표.pptx
+++ b/ppt/0324_2조 프로젝트 주제 발표.pptx
@@ -140,6 +140,74 @@
 </p:presentation>
 </file>
 
+<file path=ppt/revisionInfo.xml><?xml version="1.0" encoding="utf-8"?>
+<p1510:revInfo xmlns:a="http://schemas.openxmlformats.org/drawingml/2006/main" xmlns:r="http://schemas.openxmlformats.org/officeDocument/2006/relationships" xmlns:p1510="http://schemas.microsoft.com/office/powerpoint/2015/10/main">
+  <p1510:revLst>
+    <p1510:client id="{3AEB75FB-E6E2-444C-A04B-0553E9FE0B09}" v="1" dt="2023-03-23T14:49:13.609"/>
+  </p1510:revLst>
+</p1510:revInfo>
+</file>
+
+<file path=ppt/changesInfos/changesInfo1.xml><?xml version="1.0" encoding="utf-8"?>
+<pc:chgInfo xmlns:a="http://schemas.openxmlformats.org/drawingml/2006/main" xmlns:r="http://schemas.openxmlformats.org/officeDocument/2006/relationships" xmlns:ac="http://schemas.microsoft.com/office/drawing/2013/main/command" xmlns:pc="http://schemas.microsoft.com/office/powerpoint/2013/main/command">
+  <pc:docChgLst>
+    <pc:chgData name="나 현희" userId="a7b73e83492eed8a" providerId="LiveId" clId="{3AEB75FB-E6E2-444C-A04B-0553E9FE0B09}"/>
+    <pc:docChg chg="undo custSel modSld">
+      <pc:chgData name="나 현희" userId="a7b73e83492eed8a" providerId="LiveId" clId="{3AEB75FB-E6E2-444C-A04B-0553E9FE0B09}" dt="2023-03-23T15:19:08.022" v="2037" actId="20577"/>
+      <pc:docMkLst>
+        <pc:docMk/>
+      </pc:docMkLst>
+      <pc:sldChg chg="addSp modSp mod modNotesTx">
+        <pc:chgData name="나 현희" userId="a7b73e83492eed8a" providerId="LiveId" clId="{3AEB75FB-E6E2-444C-A04B-0553E9FE0B09}" dt="2023-03-23T15:19:08.022" v="2037" actId="20577"/>
+        <pc:sldMkLst>
+          <pc:docMk/>
+          <pc:sldMk cId="821240103" sldId="275"/>
+        </pc:sldMkLst>
+        <pc:spChg chg="mod">
+          <ac:chgData name="나 현희" userId="a7b73e83492eed8a" providerId="LiveId" clId="{3AEB75FB-E6E2-444C-A04B-0553E9FE0B09}" dt="2023-03-23T14:22:09.877" v="715" actId="14100"/>
+          <ac:spMkLst>
+            <pc:docMk/>
+            <pc:sldMk cId="821240103" sldId="275"/>
+            <ac:spMk id="3" creationId="{06424BB9-4AB3-6B72-2604-395BFABEF0AA}"/>
+          </ac:spMkLst>
+        </pc:spChg>
+        <pc:spChg chg="add mod">
+          <ac:chgData name="나 현희" userId="a7b73e83492eed8a" providerId="LiveId" clId="{3AEB75FB-E6E2-444C-A04B-0553E9FE0B09}" dt="2023-03-23T14:50:12.921" v="1600" actId="1076"/>
+          <ac:spMkLst>
+            <pc:docMk/>
+            <pc:sldMk cId="821240103" sldId="275"/>
+            <ac:spMk id="5" creationId="{D12AF74A-4F2C-EBB1-5005-D5A3D9A2C5E1}"/>
+          </ac:spMkLst>
+        </pc:spChg>
+        <pc:grpChg chg="mod">
+          <ac:chgData name="나 현희" userId="a7b73e83492eed8a" providerId="LiveId" clId="{3AEB75FB-E6E2-444C-A04B-0553E9FE0B09}" dt="2023-03-23T14:50:20.191" v="1601" actId="1076"/>
+          <ac:grpSpMkLst>
+            <pc:docMk/>
+            <pc:sldMk cId="821240103" sldId="275"/>
+            <ac:grpSpMk id="15" creationId="{00000000-0000-0000-0000-000000000000}"/>
+          </ac:grpSpMkLst>
+        </pc:grpChg>
+        <pc:picChg chg="add mod">
+          <ac:chgData name="나 현희" userId="a7b73e83492eed8a" providerId="LiveId" clId="{3AEB75FB-E6E2-444C-A04B-0553E9FE0B09}" dt="2023-03-23T14:49:09.320" v="1585" actId="14100"/>
+          <ac:picMkLst>
+            <pc:docMk/>
+            <pc:sldMk cId="821240103" sldId="275"/>
+            <ac:picMk id="4" creationId="{9F501FE4-3DC4-B9D4-FE61-4D5582DF52CE}"/>
+          </ac:picMkLst>
+        </pc:picChg>
+      </pc:sldChg>
+      <pc:sldChg chg="modNotes modNotesTx">
+        <pc:chgData name="나 현희" userId="a7b73e83492eed8a" providerId="LiveId" clId="{3AEB75FB-E6E2-444C-A04B-0553E9FE0B09}" dt="2023-03-23T14:49:13.752" v="1587" actId="27636"/>
+        <pc:sldMkLst>
+          <pc:docMk/>
+          <pc:sldMk cId="3890144068" sldId="276"/>
+        </pc:sldMkLst>
+      </pc:sldChg>
+    </pc:docChg>
+  </pc:docChgLst>
+</pc:chgInfo>
+</file>
+
 <file path=ppt/notesMasters/notesMaster1.xml><?xml version="1.0" encoding="utf-8"?>
 <p:notesMaster xmlns:a="http://schemas.openxmlformats.org/drawingml/2006/main" xmlns:r="http://schemas.openxmlformats.org/officeDocument/2006/relationships" xmlns:p="http://schemas.openxmlformats.org/presentationml/2006/main">
   <p:cSld>
@@ -1450,7 +1518,9 @@
         </p:nvSpPr>
         <p:spPr/>
         <p:txBody>
-          <a:bodyPr/>
+          <a:bodyPr>
+            <a:normAutofit fontScale="92500"/>
+          </a:bodyPr>
           <a:lstStyle/>
           <a:p>
             <a:pPr marL="0" marR="0" lvl="0" indent="0" algn="l" defTabSz="914400" rtl="0" eaLnBrk="1" fontAlgn="auto" latinLnBrk="1" hangingPunct="1">
@@ -1482,6 +1552,305 @@
               <a:rPr lang="en-US" altLang="ko-KR" dirty="0"/>
               <a:t>&gt;</a:t>
             </a:r>
+          </a:p>
+          <a:p>
+            <a:pPr marL="0" marR="0" lvl="0" indent="0" algn="l" defTabSz="914400" rtl="0" eaLnBrk="1" fontAlgn="auto" latinLnBrk="1" hangingPunct="1">
+              <a:lnSpc>
+                <a:spcPct val="100000"/>
+              </a:lnSpc>
+              <a:spcBef>
+                <a:spcPts val="0"/>
+              </a:spcBef>
+              <a:spcAft>
+                <a:spcPts val="0"/>
+              </a:spcAft>
+              <a:buClrTx/>
+              <a:buSzTx/>
+              <a:buFontTx/>
+              <a:buNone/>
+              <a:tabLst/>
+              <a:defRPr/>
+            </a:pPr>
+            <a:r>
+              <a:rPr lang="ko-KR" altLang="en-US" dirty="0"/>
+              <a:t>한국어 음성인식 모델을 제공하는 오픈소스</a:t>
+            </a:r>
+            <a:r>
+              <a:rPr lang="en-US" altLang="ko-KR" dirty="0"/>
+              <a:t>, </a:t>
+            </a:r>
+            <a:r>
+              <a:rPr lang="en-US" altLang="ko-KR" dirty="0" err="1"/>
+              <a:t>kospeech</a:t>
+            </a:r>
+            <a:r>
+              <a:rPr lang="ko-KR" altLang="en-US" dirty="0"/>
+              <a:t>의 모델들은 </a:t>
+            </a:r>
+            <a:r>
+              <a:rPr lang="en-US" altLang="ko-KR" dirty="0"/>
+              <a:t>end-to-end </a:t>
+            </a:r>
+            <a:r>
+              <a:rPr lang="ko-KR" altLang="en-US" dirty="0"/>
+              <a:t>방식을 따르는데 </a:t>
+            </a:r>
+            <a:r>
+              <a:rPr lang="en-US" altLang="ko-KR" dirty="0"/>
+              <a:t>raw-audio</a:t>
+            </a:r>
+            <a:r>
+              <a:rPr lang="ko-KR" altLang="en-US" dirty="0"/>
+              <a:t>를 통으로 </a:t>
+            </a:r>
+            <a:r>
+              <a:rPr lang="en-US" altLang="ko-KR" dirty="0"/>
+              <a:t>input</a:t>
+            </a:r>
+            <a:r>
+              <a:rPr lang="ko-KR" altLang="en-US" dirty="0"/>
+              <a:t>으로 </a:t>
+            </a:r>
+            <a:r>
+              <a:rPr lang="ko-KR" altLang="en-US" dirty="0" err="1"/>
+              <a:t>넣어주는것이</a:t>
+            </a:r>
+            <a:r>
+              <a:rPr lang="ko-KR" altLang="en-US" dirty="0"/>
+              <a:t> 특징으로 오디오 신호가 들어오면 특징을 추출하고 특징이 모델과 </a:t>
+            </a:r>
+            <a:r>
+              <a:rPr lang="en-US" altLang="ko-KR" dirty="0"/>
+              <a:t>CTC </a:t>
+            </a:r>
+            <a:r>
+              <a:rPr lang="ko-KR" altLang="en-US" dirty="0"/>
+              <a:t>알고리즘을 통과하여 텍스트로 출력된다</a:t>
+            </a:r>
+            <a:r>
+              <a:rPr lang="en-US" altLang="ko-KR" dirty="0"/>
+              <a:t>.</a:t>
+            </a:r>
+          </a:p>
+          <a:p>
+            <a:pPr marL="0" marR="0" lvl="0" indent="0" algn="l" defTabSz="914400" rtl="0" eaLnBrk="1" fontAlgn="auto" latinLnBrk="1" hangingPunct="1">
+              <a:lnSpc>
+                <a:spcPct val="100000"/>
+              </a:lnSpc>
+              <a:spcBef>
+                <a:spcPts val="0"/>
+              </a:spcBef>
+              <a:spcAft>
+                <a:spcPts val="0"/>
+              </a:spcAft>
+              <a:buClrTx/>
+              <a:buSzTx/>
+              <a:buFontTx/>
+              <a:buNone/>
+              <a:tabLst/>
+              <a:defRPr/>
+            </a:pPr>
+            <a:r>
+              <a:rPr lang="ko-KR" altLang="en-US" b="0" i="0" dirty="0">
+                <a:solidFill>
+                  <a:srgbClr val="ECECEC"/>
+                </a:solidFill>
+                <a:effectLst/>
+                <a:latin typeface="-apple-system"/>
+              </a:rPr>
+              <a:t>음성데이터를 </a:t>
+            </a:r>
+            <a:r>
+              <a:rPr lang="en-US" altLang="ko-KR" b="0" i="0" dirty="0">
+                <a:solidFill>
+                  <a:srgbClr val="ECECEC"/>
+                </a:solidFill>
+                <a:effectLst/>
+                <a:latin typeface="-apple-system"/>
+              </a:rPr>
+              <a:t>AI hub</a:t>
+            </a:r>
+            <a:r>
+              <a:rPr lang="ko-KR" altLang="en-US" b="0" i="0" dirty="0">
+                <a:solidFill>
+                  <a:srgbClr val="ECECEC"/>
+                </a:solidFill>
+                <a:effectLst/>
+                <a:latin typeface="-apple-system"/>
+              </a:rPr>
+              <a:t>의 </a:t>
+            </a:r>
+            <a:r>
+              <a:rPr lang="en-US" altLang="ko-KR" b="0" i="0" dirty="0" err="1">
+                <a:solidFill>
+                  <a:srgbClr val="ECECEC"/>
+                </a:solidFill>
+                <a:effectLst/>
+                <a:latin typeface="-apple-system"/>
+              </a:rPr>
+              <a:t>Kspon</a:t>
+            </a:r>
+            <a:r>
+              <a:rPr lang="ko-KR" altLang="en-US" b="0" i="0" dirty="0">
+                <a:solidFill>
+                  <a:srgbClr val="ECECEC"/>
+                </a:solidFill>
+                <a:effectLst/>
+                <a:latin typeface="-apple-system"/>
+              </a:rPr>
+              <a:t>이라는 </a:t>
+            </a:r>
+            <a:r>
+              <a:rPr lang="en-US" altLang="ko-KR" b="0" i="0" dirty="0">
+                <a:solidFill>
+                  <a:srgbClr val="ECECEC"/>
+                </a:solidFill>
+                <a:effectLst/>
+                <a:latin typeface="-apple-system"/>
+              </a:rPr>
+              <a:t>1,000</a:t>
+            </a:r>
+            <a:r>
+              <a:rPr lang="ko-KR" altLang="en-US" b="0" i="0" dirty="0">
+                <a:solidFill>
+                  <a:srgbClr val="ECECEC"/>
+                </a:solidFill>
+                <a:effectLst/>
+                <a:latin typeface="-apple-system"/>
+              </a:rPr>
+              <a:t>시간의 한국어 음성 데이터와 이를 전사해 놓은 </a:t>
+            </a:r>
+            <a:r>
+              <a:rPr lang="en-US" altLang="ko-KR" b="0" i="0" dirty="0">
+                <a:solidFill>
+                  <a:srgbClr val="ECECEC"/>
+                </a:solidFill>
+                <a:effectLst/>
+                <a:latin typeface="-apple-system"/>
+              </a:rPr>
+              <a:t>Label</a:t>
+            </a:r>
+            <a:r>
+              <a:rPr lang="ko-KR" altLang="en-US" b="0" i="0" dirty="0">
+                <a:solidFill>
+                  <a:srgbClr val="ECECEC"/>
+                </a:solidFill>
+                <a:effectLst/>
+                <a:latin typeface="-apple-system"/>
+              </a:rPr>
+              <a:t>을 가져와 </a:t>
+            </a:r>
+            <a:r>
+              <a:rPr lang="en-US" altLang="ko-KR" b="0" i="0" dirty="0">
+                <a:solidFill>
+                  <a:srgbClr val="ECECEC"/>
+                </a:solidFill>
+                <a:effectLst/>
+                <a:latin typeface="-apple-system"/>
+              </a:rPr>
+              <a:t>3</a:t>
+            </a:r>
+            <a:r>
+              <a:rPr lang="ko-KR" altLang="en-US" b="0" i="0" dirty="0">
+                <a:solidFill>
+                  <a:srgbClr val="ECECEC"/>
+                </a:solidFill>
+                <a:effectLst/>
+                <a:latin typeface="-apple-system"/>
+              </a:rPr>
+              <a:t>가지 방식으로 전처리를 제공하고 </a:t>
+            </a:r>
+            <a:r>
+              <a:rPr lang="en-US" altLang="ko-KR" b="0" i="0" dirty="0" err="1">
+                <a:solidFill>
+                  <a:srgbClr val="ECECEC"/>
+                </a:solidFill>
+                <a:effectLst/>
+                <a:latin typeface="-apple-system"/>
+              </a:rPr>
+              <a:t>pytorch</a:t>
+            </a:r>
+            <a:r>
+              <a:rPr lang="en-US" altLang="ko-KR" b="0" i="0" dirty="0">
+                <a:solidFill>
+                  <a:srgbClr val="ECECEC"/>
+                </a:solidFill>
+                <a:effectLst/>
+                <a:latin typeface="-apple-system"/>
+              </a:rPr>
+              <a:t> </a:t>
+            </a:r>
+            <a:r>
+              <a:rPr lang="ko-KR" altLang="en-US" b="0" i="0" dirty="0">
+                <a:solidFill>
+                  <a:srgbClr val="ECECEC"/>
+                </a:solidFill>
+                <a:effectLst/>
+                <a:latin typeface="-apple-system"/>
+              </a:rPr>
+              <a:t>기반의 딥러닝 모델로 한국어만 지원하고 </a:t>
+            </a:r>
+            <a:r>
+              <a:rPr lang="ko-KR" altLang="en-US" b="0" i="0" dirty="0" err="1">
+                <a:solidFill>
+                  <a:srgbClr val="ECECEC"/>
+                </a:solidFill>
+                <a:effectLst/>
+                <a:latin typeface="-apple-system"/>
+              </a:rPr>
+              <a:t>그중에서</a:t>
+            </a:r>
+            <a:r>
+              <a:rPr lang="ko-KR" altLang="en-US" b="0" i="0" dirty="0">
+                <a:solidFill>
+                  <a:srgbClr val="ECECEC"/>
+                </a:solidFill>
+                <a:effectLst/>
+                <a:latin typeface="-apple-system"/>
+              </a:rPr>
+              <a:t> 저희는 </a:t>
+            </a:r>
+            <a:r>
+              <a:rPr lang="en-US" altLang="ko-KR" b="0" i="0" dirty="0">
+                <a:solidFill>
+                  <a:srgbClr val="ECECEC"/>
+                </a:solidFill>
+                <a:effectLst/>
+                <a:latin typeface="-apple-system"/>
+              </a:rPr>
+              <a:t>deepspeech2 </a:t>
+            </a:r>
+            <a:r>
+              <a:rPr lang="ko-KR" altLang="en-US" b="0" i="0" dirty="0">
+                <a:solidFill>
+                  <a:srgbClr val="ECECEC"/>
+                </a:solidFill>
+                <a:effectLst/>
+                <a:latin typeface="-apple-system"/>
+              </a:rPr>
+              <a:t>모델을 사용 </a:t>
+            </a:r>
+            <a:endParaRPr lang="en-US" altLang="ko-KR" dirty="0"/>
+          </a:p>
+          <a:p>
+            <a:pPr marL="0" marR="0" lvl="0" indent="0" algn="l" defTabSz="914400" rtl="0" eaLnBrk="1" fontAlgn="auto" latinLnBrk="1" hangingPunct="1">
+              <a:lnSpc>
+                <a:spcPct val="100000"/>
+              </a:lnSpc>
+              <a:spcBef>
+                <a:spcPts val="0"/>
+              </a:spcBef>
+              <a:spcAft>
+                <a:spcPts val="0"/>
+              </a:spcAft>
+              <a:buClrTx/>
+              <a:buSzTx/>
+              <a:buFontTx/>
+              <a:buNone/>
+              <a:tabLst/>
+              <a:defRPr/>
+            </a:pPr>
+            <a:endParaRPr lang="en-US" altLang="ko-KR" dirty="0"/>
           </a:p>
           <a:p>
             <a:pPr marL="0" marR="0" lvl="0" indent="0" algn="l" defTabSz="914400" rtl="0" eaLnBrk="1" fontAlgn="auto" latinLnBrk="1" hangingPunct="1">
@@ -2893,7 +3262,113 @@
           <a:bodyPr/>
           <a:lstStyle/>
           <a:p>
-            <a:endParaRPr lang="ko-KR" altLang="en-US" dirty="0"/>
+            <a:r>
+              <a:rPr lang="ko-KR" altLang="en-US" dirty="0"/>
+              <a:t>사용하려는 </a:t>
+            </a:r>
+            <a:r>
+              <a:rPr lang="en-US" altLang="ko-KR" dirty="0" err="1"/>
+              <a:t>kospeech</a:t>
+            </a:r>
+            <a:r>
+              <a:rPr lang="en-US" altLang="ko-KR" dirty="0"/>
+              <a:t> </a:t>
+            </a:r>
+            <a:r>
+              <a:rPr lang="ko-KR" altLang="en-US" dirty="0"/>
+              <a:t>오픈 소스에서 지원하는 모델 </a:t>
+            </a:r>
+            <a:r>
+              <a:rPr lang="en-US" altLang="ko-KR" dirty="0"/>
+              <a:t>deepspeech2</a:t>
+            </a:r>
+            <a:r>
+              <a:rPr lang="ko-KR" altLang="en-US" dirty="0"/>
+              <a:t>를 사용하려는 이유 </a:t>
+            </a:r>
+            <a:endParaRPr lang="en-US" altLang="ko-KR" dirty="0"/>
+          </a:p>
+          <a:p>
+            <a:r>
+              <a:rPr lang="en-US" altLang="ko-KR" dirty="0"/>
+              <a:t>Deepspeech2</a:t>
+            </a:r>
+            <a:r>
+              <a:rPr lang="ko-KR" altLang="en-US" dirty="0"/>
+              <a:t>는 </a:t>
+            </a:r>
+            <a:r>
+              <a:rPr lang="en-US" altLang="ko-KR" dirty="0"/>
+              <a:t>character-based CTC </a:t>
+            </a:r>
+            <a:r>
+              <a:rPr lang="ko-KR" altLang="en-US" dirty="0"/>
+              <a:t>기반으로 구성 되어 음성 데이터에 </a:t>
+            </a:r>
+            <a:r>
+              <a:rPr lang="ko-KR" altLang="en-US" dirty="0" err="1"/>
+              <a:t>라벨링</a:t>
+            </a:r>
+            <a:r>
+              <a:rPr lang="ko-KR" altLang="en-US" dirty="0"/>
+              <a:t> 없이 </a:t>
+            </a:r>
+            <a:r>
+              <a:rPr lang="en-US" altLang="ko-KR" dirty="0"/>
+              <a:t>sequence </a:t>
+            </a:r>
+            <a:r>
+              <a:rPr lang="ko-KR" altLang="en-US" dirty="0"/>
+              <a:t>간의 거리를 파악하고  </a:t>
+            </a:r>
+            <a:r>
+              <a:rPr lang="en-US" altLang="ko-KR" dirty="0"/>
+              <a:t>(CTC =&gt; loss) </a:t>
+            </a:r>
+            <a:r>
+              <a:rPr lang="ko-KR" altLang="en-US" dirty="0" err="1"/>
+              <a:t>디코더를</a:t>
+            </a:r>
+            <a:r>
+              <a:rPr lang="ko-KR" altLang="en-US" dirty="0"/>
+              <a:t> 따로 하지 않아도 되는 장점이 있다</a:t>
+            </a:r>
+            <a:r>
+              <a:rPr lang="en-US" altLang="ko-KR" dirty="0"/>
+              <a:t>. </a:t>
+            </a:r>
+          </a:p>
+          <a:p>
+            <a:r>
+              <a:rPr lang="ko-KR" altLang="en-US" dirty="0"/>
+              <a:t>또한</a:t>
+            </a:r>
+            <a:r>
+              <a:rPr lang="en-US" altLang="ko-KR" dirty="0"/>
+              <a:t>, </a:t>
+            </a:r>
+            <a:r>
+              <a:rPr lang="ko-KR" altLang="en-US" dirty="0"/>
+              <a:t>학습 데이터 </a:t>
+            </a:r>
+            <a:r>
+              <a:rPr lang="en-US" altLang="ko-KR" dirty="0"/>
+              <a:t>40%</a:t>
+            </a:r>
+            <a:r>
+              <a:rPr lang="ko-KR" altLang="en-US" dirty="0"/>
+              <a:t>에 랜덤 노이즈를 추가해 학습하여 인식 성능도 높였다고 한다</a:t>
+            </a:r>
+            <a:r>
+              <a:rPr lang="en-US" altLang="ko-KR" dirty="0"/>
+              <a:t>. </a:t>
+            </a:r>
+          </a:p>
+          <a:p>
+            <a:endParaRPr lang="en-US" altLang="ko-KR" dirty="0"/>
+          </a:p>
+          <a:p>
+            <a:endParaRPr lang="en-US" altLang="ko-KR" dirty="0"/>
           </a:p>
         </p:txBody>
       </p:sp>
@@ -16991,7 +17466,7 @@
         </p:nvGrpSpPr>
         <p:grpSpPr>
           <a:xfrm>
-            <a:off x="0" y="395933"/>
+            <a:off x="19460" y="319413"/>
             <a:ext cx="9153144" cy="6318504"/>
             <a:chOff x="28575" y="464884"/>
             <a:chExt cx="9153144" cy="6318504"/>
@@ -17177,7 +17652,7 @@
         <p:spPr>
           <a:xfrm>
             <a:off x="662360" y="1377990"/>
-            <a:ext cx="3497612" cy="369332"/>
+            <a:ext cx="4680520" cy="369332"/>
           </a:xfrm>
           <a:prstGeom prst="rect">
             <a:avLst/>
@@ -17192,8 +17667,167 @@
           <a:p>
             <a:r>
               <a:rPr lang="en-US" altLang="ko-KR" dirty="0"/>
-              <a:t>1) STT(speech to text) </a:t>
-            </a:r>
+              <a:t>1) STT(speech to text) – deepspeech2</a:t>
+            </a:r>
+            <a:endParaRPr lang="ko-KR" altLang="en-US" dirty="0"/>
+          </a:p>
+        </p:txBody>
+      </p:sp>
+      <p:pic>
+        <p:nvPicPr>
+          <p:cNvPr id="4" name="그림 3">
+            <a:extLst>
+              <a:ext uri="{FF2B5EF4-FFF2-40B4-BE49-F238E27FC236}">
+                <a16:creationId xmlns:a16="http://schemas.microsoft.com/office/drawing/2014/main" id="{9F501FE4-3DC4-B9D4-FE61-4D5582DF52CE}"/>
+              </a:ext>
+            </a:extLst>
+          </p:cNvPr>
+          <p:cNvPicPr>
+            <a:picLocks noChangeAspect="1"/>
+          </p:cNvPicPr>
+          <p:nvPr/>
+        </p:nvPicPr>
+        <p:blipFill>
+          <a:blip r:embed="rId7"/>
+          <a:stretch>
+            <a:fillRect/>
+          </a:stretch>
+        </p:blipFill>
+        <p:spPr>
+          <a:xfrm>
+            <a:off x="2324859" y="1844610"/>
+            <a:ext cx="3954125" cy="3975576"/>
+          </a:xfrm>
+          <a:prstGeom prst="rect">
+            <a:avLst/>
+          </a:prstGeom>
+        </p:spPr>
+      </p:pic>
+      <p:sp>
+        <p:nvSpPr>
+          <p:cNvPr id="5" name="TextBox 4">
+            <a:extLst>
+              <a:ext uri="{FF2B5EF4-FFF2-40B4-BE49-F238E27FC236}">
+                <a16:creationId xmlns:a16="http://schemas.microsoft.com/office/drawing/2014/main" id="{D12AF74A-4F2C-EBB1-5005-D5A3D9A2C5E1}"/>
+              </a:ext>
+            </a:extLst>
+          </p:cNvPr>
+          <p:cNvSpPr txBox="1"/>
+          <p:nvPr/>
+        </p:nvSpPr>
+        <p:spPr>
+          <a:xfrm>
+            <a:off x="662360" y="5647194"/>
+            <a:ext cx="8110728" cy="954107"/>
+          </a:xfrm>
+          <a:prstGeom prst="rect">
+            <a:avLst/>
+          </a:prstGeom>
+          <a:noFill/>
+        </p:spPr>
+        <p:txBody>
+          <a:bodyPr wrap="square" rtlCol="0">
+            <a:spAutoFit/>
+          </a:bodyPr>
+          <a:lstStyle/>
+          <a:p>
+            <a:pPr algn="l">
+              <a:buFont typeface="Arial" panose="020B0604020202020204" pitchFamily="34" charset="0"/>
+              <a:buChar char="•"/>
+            </a:pPr>
+            <a:r>
+              <a:rPr lang="en-US" altLang="ko-KR" sz="1000" b="0" i="0" u="none" strike="noStrike" dirty="0" err="1">
+                <a:effectLst/>
+                <a:latin typeface="-apple-system"/>
+                <a:hlinkClick r:id="rId8">
+                  <a:extLst>
+                    <a:ext uri="{A12FA001-AC4F-418D-AE19-62706E023703}">
+                      <ahyp:hlinkClr xmlns:ahyp="http://schemas.microsoft.com/office/drawing/2018/hyperlinkcolor" val="tx"/>
+                    </a:ext>
+                  </a:extLst>
+                </a:hlinkClick>
+              </a:rPr>
+              <a:t>Amodei</a:t>
+            </a:r>
+            <a:r>
+              <a:rPr lang="en-US" altLang="ko-KR" sz="1000" b="0" i="0" u="none" strike="noStrike" dirty="0">
+                <a:effectLst/>
+                <a:latin typeface="-apple-system"/>
+                <a:hlinkClick r:id="rId8">
+                  <a:extLst>
+                    <a:ext uri="{A12FA001-AC4F-418D-AE19-62706E023703}">
+                      <ahyp:hlinkClr xmlns:ahyp="http://schemas.microsoft.com/office/drawing/2018/hyperlinkcolor" val="tx"/>
+                    </a:ext>
+                  </a:extLst>
+                </a:hlinkClick>
+              </a:rPr>
+              <a:t>, D., </a:t>
+            </a:r>
+            <a:r>
+              <a:rPr lang="en-US" altLang="ko-KR" sz="1000" b="0" i="0" u="none" strike="noStrike" dirty="0" err="1">
+                <a:effectLst/>
+                <a:latin typeface="-apple-system"/>
+                <a:hlinkClick r:id="rId8">
+                  <a:extLst>
+                    <a:ext uri="{A12FA001-AC4F-418D-AE19-62706E023703}">
+                      <ahyp:hlinkClr xmlns:ahyp="http://schemas.microsoft.com/office/drawing/2018/hyperlinkcolor" val="tx"/>
+                    </a:ext>
+                  </a:extLst>
+                </a:hlinkClick>
+              </a:rPr>
+              <a:t>Ananthanarayanan</a:t>
+            </a:r>
+            <a:r>
+              <a:rPr lang="en-US" altLang="ko-KR" sz="1000" b="0" i="0" u="none" strike="noStrike" dirty="0">
+                <a:effectLst/>
+                <a:latin typeface="-apple-system"/>
+                <a:hlinkClick r:id="rId8">
+                  <a:extLst>
+                    <a:ext uri="{A12FA001-AC4F-418D-AE19-62706E023703}">
+                      <ahyp:hlinkClr xmlns:ahyp="http://schemas.microsoft.com/office/drawing/2018/hyperlinkcolor" val="tx"/>
+                    </a:ext>
+                  </a:extLst>
+                </a:hlinkClick>
+              </a:rPr>
+              <a:t> (2016, June). Deep speech 2: End-to-end speech recognition in </a:t>
+            </a:r>
+            <a:r>
+              <a:rPr lang="en-US" altLang="ko-KR" sz="1000" b="0" i="0" u="none" strike="noStrike" dirty="0" err="1">
+                <a:effectLst/>
+                <a:latin typeface="-apple-system"/>
+                <a:hlinkClick r:id="rId8">
+                  <a:extLst>
+                    <a:ext uri="{A12FA001-AC4F-418D-AE19-62706E023703}">
+                      <ahyp:hlinkClr xmlns:ahyp="http://schemas.microsoft.com/office/drawing/2018/hyperlinkcolor" val="tx"/>
+                    </a:ext>
+                  </a:extLst>
+                </a:hlinkClick>
+              </a:rPr>
+              <a:t>english</a:t>
+            </a:r>
+            <a:r>
+              <a:rPr lang="en-US" altLang="ko-KR" sz="1000" b="0" i="0" u="none" strike="noStrike" dirty="0">
+                <a:effectLst/>
+                <a:latin typeface="-apple-system"/>
+                <a:hlinkClick r:id="rId8">
+                  <a:extLst>
+                    <a:ext uri="{A12FA001-AC4F-418D-AE19-62706E023703}">
+                      <ahyp:hlinkClr xmlns:ahyp="http://schemas.microsoft.com/office/drawing/2018/hyperlinkcolor" val="tx"/>
+                    </a:ext>
+                  </a:extLst>
+                </a:hlinkClick>
+              </a:rPr>
+              <a:t> and mandarin. In International conference on machine learning (pp. 173-182).</a:t>
+            </a:r>
+            <a:endParaRPr lang="en-US" altLang="ko-KR" sz="1000" b="0" i="0" dirty="0">
+              <a:effectLst/>
+              <a:latin typeface="-apple-system"/>
+            </a:endParaRPr>
+          </a:p>
+          <a:p>
+            <a:br>
+              <a:rPr lang="en-US" altLang="ko-KR" dirty="0"/>
+            </a:br>
             <a:endParaRPr lang="ko-KR" altLang="en-US" dirty="0"/>
           </a:p>
         </p:txBody>

--- a/ppt/0324_2조 프로젝트 주제 발표.pptx
+++ b/ppt/0324_2조 프로젝트 주제 발표.pptx
@@ -151,6 +151,22 @@
 <file path=ppt/changesInfos/changesInfo1.xml><?xml version="1.0" encoding="utf-8"?>
 <pc:chgInfo xmlns:a="http://schemas.openxmlformats.org/drawingml/2006/main" xmlns:r="http://schemas.openxmlformats.org/officeDocument/2006/relationships" xmlns:ac="http://schemas.microsoft.com/office/drawing/2013/main/command" xmlns:pc="http://schemas.microsoft.com/office/powerpoint/2013/main/command">
   <pc:docChgLst>
+    <pc:chgData name="나 현희" userId="a7b73e83492eed8a" providerId="LiveId" clId="{281A6C27-8DF7-4C7F-ACDD-C1D437CC2FEA}"/>
+    <pc:docChg chg="modSld">
+      <pc:chgData name="나 현희" userId="a7b73e83492eed8a" providerId="LiveId" clId="{281A6C27-8DF7-4C7F-ACDD-C1D437CC2FEA}" dt="2023-03-24T06:31:01.255" v="283" actId="20577"/>
+      <pc:docMkLst>
+        <pc:docMk/>
+      </pc:docMkLst>
+      <pc:sldChg chg="modNotesTx">
+        <pc:chgData name="나 현희" userId="a7b73e83492eed8a" providerId="LiveId" clId="{281A6C27-8DF7-4C7F-ACDD-C1D437CC2FEA}" dt="2023-03-24T06:31:01.255" v="283" actId="20577"/>
+        <pc:sldMkLst>
+          <pc:docMk/>
+          <pc:sldMk cId="821240103" sldId="275"/>
+        </pc:sldMkLst>
+      </pc:sldChg>
+    </pc:docChg>
+  </pc:docChgLst>
+  <pc:docChgLst>
     <pc:chgData name="나 현희" userId="a7b73e83492eed8a" providerId="LiveId" clId="{3AEB75FB-E6E2-444C-A04B-0553E9FE0B09}"/>
     <pc:docChg chg="undo custSel modSld">
       <pc:chgData name="나 현희" userId="a7b73e83492eed8a" providerId="LiveId" clId="{3AEB75FB-E6E2-444C-A04B-0553E9FE0B09}" dt="2023-03-23T15:19:08.022" v="2037" actId="20577"/>
@@ -291,7 +307,7 @@
             <a:fld id="{01015650-063C-455C-8B59-3D8A2C6803D6}" type="datetimeFigureOut">
               <a:rPr lang="ko-KR" altLang="en-US" smtClean="0"/>
               <a:pPr/>
-              <a:t>2023-03-23</a:t>
+              <a:t>2023-03-24</a:t>
             </a:fld>
             <a:endParaRPr lang="ko-KR" altLang="en-US"/>
           </a:p>
@@ -3357,12 +3373,41 @@
             </a:r>
             <a:r>
               <a:rPr lang="ko-KR" altLang="en-US" dirty="0"/>
-              <a:t>에 랜덤 노이즈를 추가해 학습하여 인식 성능도 높였다고 한다</a:t>
+              <a:t>에 랜덤 노이즈를 추가해 학습하여 인식 성능도 높였다고 하지만 </a:t>
             </a:r>
             <a:r>
               <a:rPr lang="en-US" altLang="ko-KR" dirty="0"/>
+              <a:t>5.33</a:t>
+            </a:r>
+            <a:r>
+              <a:rPr lang="ko-KR" altLang="en-US" dirty="0"/>
+              <a:t>의 </a:t>
+            </a:r>
+            <a:r>
+              <a:rPr lang="en-US" altLang="ko-KR" dirty="0"/>
+              <a:t>error rate</a:t>
+            </a:r>
+            <a:r>
+              <a:rPr lang="ko-KR" altLang="en-US" dirty="0"/>
+              <a:t>를 가지고 있어서 그 부분은 개선을 하여 </a:t>
+            </a:r>
+            <a:r>
+              <a:rPr lang="en-US" altLang="ko-KR" dirty="0"/>
+              <a:t>error rate</a:t>
+            </a:r>
+            <a:r>
+              <a:rPr lang="ko-KR" altLang="en-US" dirty="0"/>
+              <a:t>를 낮춰 사용할 계획이다</a:t>
+            </a:r>
+            <a:r>
+              <a:rPr lang="en-US" altLang="ko-KR"/>
               <a:t>. </a:t>
             </a:r>
+            <a:r>
+              <a:rPr lang="ko-KR" altLang="en-US"/>
+              <a:t> </a:t>
+            </a:r>
+            <a:endParaRPr lang="en-US" altLang="ko-KR" dirty="0"/>
           </a:p>
           <a:p>
             <a:endParaRPr lang="en-US" altLang="ko-KR" dirty="0"/>
@@ -4449,7 +4494,7 @@
             <a:fld id="{7C350D00-E9DF-4C32-8EF9-982D014E2409}" type="datetimeFigureOut">
               <a:rPr lang="ko-KR" altLang="en-US" smtClean="0"/>
               <a:pPr/>
-              <a:t>2023-03-23</a:t>
+              <a:t>2023-03-24</a:t>
             </a:fld>
             <a:endParaRPr lang="ko-KR" altLang="en-US"/>
           </a:p>
@@ -4614,7 +4659,7 @@
             <a:fld id="{7C350D00-E9DF-4C32-8EF9-982D014E2409}" type="datetimeFigureOut">
               <a:rPr lang="ko-KR" altLang="en-US" smtClean="0"/>
               <a:pPr/>
-              <a:t>2023-03-23</a:t>
+              <a:t>2023-03-24</a:t>
             </a:fld>
             <a:endParaRPr lang="ko-KR" altLang="en-US"/>
           </a:p>
@@ -4789,7 +4834,7 @@
             <a:fld id="{7C350D00-E9DF-4C32-8EF9-982D014E2409}" type="datetimeFigureOut">
               <a:rPr lang="ko-KR" altLang="en-US" smtClean="0"/>
               <a:pPr/>
-              <a:t>2023-03-23</a:t>
+              <a:t>2023-03-24</a:t>
             </a:fld>
             <a:endParaRPr lang="ko-KR" altLang="en-US"/>
           </a:p>
@@ -4954,7 +4999,7 @@
             <a:fld id="{7C350D00-E9DF-4C32-8EF9-982D014E2409}" type="datetimeFigureOut">
               <a:rPr lang="ko-KR" altLang="en-US" smtClean="0"/>
               <a:pPr/>
-              <a:t>2023-03-23</a:t>
+              <a:t>2023-03-24</a:t>
             </a:fld>
             <a:endParaRPr lang="ko-KR" altLang="en-US"/>
           </a:p>
@@ -5196,7 +5241,7 @@
             <a:fld id="{7C350D00-E9DF-4C32-8EF9-982D014E2409}" type="datetimeFigureOut">
               <a:rPr lang="ko-KR" altLang="en-US" smtClean="0"/>
               <a:pPr/>
-              <a:t>2023-03-23</a:t>
+              <a:t>2023-03-24</a:t>
             </a:fld>
             <a:endParaRPr lang="ko-KR" altLang="en-US"/>
           </a:p>
@@ -5478,7 +5523,7 @@
             <a:fld id="{7C350D00-E9DF-4C32-8EF9-982D014E2409}" type="datetimeFigureOut">
               <a:rPr lang="ko-KR" altLang="en-US" smtClean="0"/>
               <a:pPr/>
-              <a:t>2023-03-23</a:t>
+              <a:t>2023-03-24</a:t>
             </a:fld>
             <a:endParaRPr lang="ko-KR" altLang="en-US"/>
           </a:p>
@@ -5899,7 +5944,7 @@
             <a:fld id="{7C350D00-E9DF-4C32-8EF9-982D014E2409}" type="datetimeFigureOut">
               <a:rPr lang="ko-KR" altLang="en-US" smtClean="0"/>
               <a:pPr/>
-              <a:t>2023-03-23</a:t>
+              <a:t>2023-03-24</a:t>
             </a:fld>
             <a:endParaRPr lang="ko-KR" altLang="en-US"/>
           </a:p>
@@ -6013,7 +6058,7 @@
             <a:fld id="{7C350D00-E9DF-4C32-8EF9-982D014E2409}" type="datetimeFigureOut">
               <a:rPr lang="ko-KR" altLang="en-US" smtClean="0"/>
               <a:pPr/>
-              <a:t>2023-03-23</a:t>
+              <a:t>2023-03-24</a:t>
             </a:fld>
             <a:endParaRPr lang="ko-KR" altLang="en-US"/>
           </a:p>
@@ -6105,7 +6150,7 @@
             <a:fld id="{7C350D00-E9DF-4C32-8EF9-982D014E2409}" type="datetimeFigureOut">
               <a:rPr lang="ko-KR" altLang="en-US" smtClean="0"/>
               <a:pPr/>
-              <a:t>2023-03-23</a:t>
+              <a:t>2023-03-24</a:t>
             </a:fld>
             <a:endParaRPr lang="ko-KR" altLang="en-US"/>
           </a:p>
@@ -6377,7 +6422,7 @@
             <a:fld id="{7C350D00-E9DF-4C32-8EF9-982D014E2409}" type="datetimeFigureOut">
               <a:rPr lang="ko-KR" altLang="en-US" smtClean="0"/>
               <a:pPr/>
-              <a:t>2023-03-23</a:t>
+              <a:t>2023-03-24</a:t>
             </a:fld>
             <a:endParaRPr lang="ko-KR" altLang="en-US"/>
           </a:p>
@@ -6626,7 +6671,7 @@
             <a:fld id="{7C350D00-E9DF-4C32-8EF9-982D014E2409}" type="datetimeFigureOut">
               <a:rPr lang="ko-KR" altLang="en-US" smtClean="0"/>
               <a:pPr/>
-              <a:t>2023-03-23</a:t>
+              <a:t>2023-03-24</a:t>
             </a:fld>
             <a:endParaRPr lang="ko-KR" altLang="en-US"/>
           </a:p>
@@ -6834,7 +6879,7 @@
             <a:fld id="{7C350D00-E9DF-4C32-8EF9-982D014E2409}" type="datetimeFigureOut">
               <a:rPr lang="ko-KR" altLang="en-US" smtClean="0"/>
               <a:pPr/>
-              <a:t>2023-03-23</a:t>
+              <a:t>2023-03-24</a:t>
             </a:fld>
             <a:endParaRPr lang="ko-KR" altLang="en-US"/>
           </a:p>

--- a/ppt/0324_2조 프로젝트 주제 발표.pptx
+++ b/ppt/0324_2조 프로젝트 주제 발표.pptx
@@ -291,7 +291,7 @@
             <a:fld id="{01015650-063C-455C-8B59-3D8A2C6803D6}" type="datetimeFigureOut">
               <a:rPr lang="ko-KR" altLang="en-US" smtClean="0"/>
               <a:pPr/>
-              <a:t>2023-03-23</a:t>
+              <a:t>2023-03-24</a:t>
             </a:fld>
             <a:endParaRPr lang="ko-KR" altLang="en-US"/>
           </a:p>
@@ -897,27 +897,7 @@
                 <a:effectLst/>
                 <a:latin typeface="-apple-system"/>
               </a:rPr>
-              <a:t>라디오 방송에서는 음성 파일을 텍스트로 변환하여 방송 내용을 요약하여 제공할 수 있습니다</a:t>
-            </a:r>
-            <a:r>
-              <a:rPr lang="en-US" altLang="ko-KR" b="0" i="0" dirty="0">
-                <a:solidFill>
-                  <a:srgbClr val="111111"/>
-                </a:solidFill>
-                <a:effectLst/>
-                <a:latin typeface="-apple-system"/>
-              </a:rPr>
-              <a:t>. </a:t>
-            </a:r>
-            <a:r>
-              <a:rPr lang="ko-KR" altLang="en-US" b="0" i="0" dirty="0">
-                <a:solidFill>
-                  <a:srgbClr val="111111"/>
-                </a:solidFill>
-                <a:effectLst/>
-                <a:latin typeface="-apple-system"/>
-              </a:rPr>
-              <a:t>이를 통해 청취자들이 더욱 쉽게 정보를 파악할 수 있으며</a:t>
+              <a:t>라디오 방송에서는 음성 파일을 텍스트로 변환하여 방송 내용을 요약하여 제공하여 청취자들이 더욱 쉽게 정보를 파악할 수 있으며</a:t>
             </a:r>
             <a:r>
               <a:rPr lang="en-US" altLang="ko-KR" b="0" i="0" dirty="0">
@@ -1378,9 +1358,30 @@
               <a:tabLst/>
               <a:defRPr/>
             </a:pPr>
-            <a:endParaRPr lang="en-US" altLang="ko-KR" dirty="0">
-              <a:effectLst/>
-            </a:endParaRPr>
+            <a:r>
+              <a:rPr lang="ko-KR" altLang="en-US" dirty="0">
+                <a:effectLst/>
+              </a:rPr>
+              <a:t>다음은 화자 분리를 수행하게 될 </a:t>
+            </a:r>
+            <a:r>
+              <a:rPr lang="en-US" altLang="ko-KR" dirty="0">
+                <a:effectLst/>
+              </a:rPr>
+              <a:t>transformer </a:t>
+            </a:r>
+            <a:r>
+              <a:rPr lang="ko-KR" altLang="en-US" dirty="0">
+                <a:effectLst/>
+              </a:rPr>
+              <a:t>기반 모델입니다</a:t>
+            </a:r>
+            <a:r>
+              <a:rPr lang="en-US" altLang="ko-KR" dirty="0">
+                <a:effectLst/>
+              </a:rPr>
+              <a:t>. </a:t>
+            </a:r>
           </a:p>
           <a:p>
             <a:pPr marL="0" marR="0" lvl="0" indent="0" algn="l" defTabSz="914400" rtl="0" eaLnBrk="1" fontAlgn="auto" latinLnBrk="1" hangingPunct="1">
@@ -1436,6 +1437,25 @@
               </a:rPr>
               <a:t>. </a:t>
             </a:r>
+          </a:p>
+          <a:p>
+            <a:pPr marL="0" marR="0" lvl="0" indent="0" algn="l" defTabSz="914400" rtl="0" eaLnBrk="1" fontAlgn="auto" latinLnBrk="1" hangingPunct="1">
+              <a:lnSpc>
+                <a:spcPct val="100000"/>
+              </a:lnSpc>
+              <a:spcBef>
+                <a:spcPts val="0"/>
+              </a:spcBef>
+              <a:spcAft>
+                <a:spcPts val="0"/>
+              </a:spcAft>
+              <a:buClrTx/>
+              <a:buSzTx/>
+              <a:buFontTx/>
+              <a:buNone/>
+              <a:tabLst/>
+              <a:defRPr/>
+            </a:pPr>
             <a:endParaRPr lang="en-US" altLang="ko-KR" dirty="0"/>
           </a:p>
         </p:txBody>
@@ -1519,7 +1539,7 @@
         <p:spPr/>
         <p:txBody>
           <a:bodyPr>
-            <a:normAutofit fontScale="92500"/>
+            <a:normAutofit/>
           </a:bodyPr>
           <a:lstStyle/>
           <a:p>
@@ -1572,85 +1592,6 @@
               <a:defRPr/>
             </a:pPr>
             <a:r>
-              <a:rPr lang="ko-KR" altLang="en-US" dirty="0"/>
-              <a:t>한국어 음성인식 모델을 제공하는 오픈소스</a:t>
-            </a:r>
-            <a:r>
-              <a:rPr lang="en-US" altLang="ko-KR" dirty="0"/>
-              <a:t>, </a:t>
-            </a:r>
-            <a:r>
-              <a:rPr lang="en-US" altLang="ko-KR" dirty="0" err="1"/>
-              <a:t>kospeech</a:t>
-            </a:r>
-            <a:r>
-              <a:rPr lang="ko-KR" altLang="en-US" dirty="0"/>
-              <a:t>의 모델들은 </a:t>
-            </a:r>
-            <a:r>
-              <a:rPr lang="en-US" altLang="ko-KR" dirty="0"/>
-              <a:t>end-to-end </a:t>
-            </a:r>
-            <a:r>
-              <a:rPr lang="ko-KR" altLang="en-US" dirty="0"/>
-              <a:t>방식을 따르는데 </a:t>
-            </a:r>
-            <a:r>
-              <a:rPr lang="en-US" altLang="ko-KR" dirty="0"/>
-              <a:t>raw-audio</a:t>
-            </a:r>
-            <a:r>
-              <a:rPr lang="ko-KR" altLang="en-US" dirty="0"/>
-              <a:t>를 통으로 </a:t>
-            </a:r>
-            <a:r>
-              <a:rPr lang="en-US" altLang="ko-KR" dirty="0"/>
-              <a:t>input</a:t>
-            </a:r>
-            <a:r>
-              <a:rPr lang="ko-KR" altLang="en-US" dirty="0"/>
-              <a:t>으로 </a:t>
-            </a:r>
-            <a:r>
-              <a:rPr lang="ko-KR" altLang="en-US" dirty="0" err="1"/>
-              <a:t>넣어주는것이</a:t>
-            </a:r>
-            <a:r>
-              <a:rPr lang="ko-KR" altLang="en-US" dirty="0"/>
-              <a:t> 특징으로 오디오 신호가 들어오면 특징을 추출하고 특징이 모델과 </a:t>
-            </a:r>
-            <a:r>
-              <a:rPr lang="en-US" altLang="ko-KR" dirty="0"/>
-              <a:t>CTC </a:t>
-            </a:r>
-            <a:r>
-              <a:rPr lang="ko-KR" altLang="en-US" dirty="0"/>
-              <a:t>알고리즘을 통과하여 텍스트로 출력된다</a:t>
-            </a:r>
-            <a:r>
-              <a:rPr lang="en-US" altLang="ko-KR" dirty="0"/>
-              <a:t>.</a:t>
-            </a:r>
-          </a:p>
-          <a:p>
-            <a:pPr marL="0" marR="0" lvl="0" indent="0" algn="l" defTabSz="914400" rtl="0" eaLnBrk="1" fontAlgn="auto" latinLnBrk="1" hangingPunct="1">
-              <a:lnSpc>
-                <a:spcPct val="100000"/>
-              </a:lnSpc>
-              <a:spcBef>
-                <a:spcPts val="0"/>
-              </a:spcBef>
-              <a:spcAft>
-                <a:spcPts val="0"/>
-              </a:spcAft>
-              <a:buClrTx/>
-              <a:buSzTx/>
-              <a:buFontTx/>
-              <a:buNone/>
-              <a:tabLst/>
-              <a:defRPr/>
-            </a:pPr>
-            <a:r>
               <a:rPr lang="ko-KR" altLang="en-US" b="0" i="0" dirty="0">
                 <a:solidFill>
                   <a:srgbClr val="ECECEC"/>
@@ -1688,7 +1629,7 @@
                 <a:effectLst/>
                 <a:latin typeface="-apple-system"/>
               </a:rPr>
-              <a:t>Kspon</a:t>
+              <a:t>Ksponspeech</a:t>
             </a:r>
             <a:r>
               <a:rPr lang="ko-KR" altLang="en-US" b="0" i="0" dirty="0">
@@ -1698,7 +1639,7 @@
                 <a:effectLst/>
                 <a:latin typeface="-apple-system"/>
               </a:rPr>
-              <a:t>이라는 </a:t>
+              <a:t>는 </a:t>
             </a:r>
             <a:r>
               <a:rPr lang="en-US" altLang="ko-KR" b="0" i="0" dirty="0">
@@ -1708,6 +1649,26 @@
                 <a:effectLst/>
                 <a:latin typeface="-apple-system"/>
               </a:rPr>
+              <a:t>2000</a:t>
+            </a:r>
+            <a:r>
+              <a:rPr lang="ko-KR" altLang="en-US" b="0" i="0" dirty="0">
+                <a:solidFill>
+                  <a:srgbClr val="ECECEC"/>
+                </a:solidFill>
+                <a:effectLst/>
+                <a:latin typeface="-apple-system"/>
+              </a:rPr>
+              <a:t>여명의 </a:t>
+            </a:r>
+            <a:r>
+              <a:rPr lang="en-US" altLang="ko-KR" b="0" i="0" dirty="0">
+                <a:solidFill>
+                  <a:srgbClr val="ECECEC"/>
+                </a:solidFill>
+                <a:effectLst/>
+                <a:latin typeface="-apple-system"/>
+              </a:rPr>
               <a:t>1,000</a:t>
             </a:r>
             <a:r>
@@ -1718,117 +1679,7 @@
                 <a:effectLst/>
                 <a:latin typeface="-apple-system"/>
               </a:rPr>
-              <a:t>시간의 한국어 음성 데이터와 이를 전사해 놓은 </a:t>
-            </a:r>
-            <a:r>
-              <a:rPr lang="en-US" altLang="ko-KR" b="0" i="0" dirty="0">
-                <a:solidFill>
-                  <a:srgbClr val="ECECEC"/>
-                </a:solidFill>
-                <a:effectLst/>
-                <a:latin typeface="-apple-system"/>
-              </a:rPr>
-              <a:t>Label</a:t>
-            </a:r>
-            <a:r>
-              <a:rPr lang="ko-KR" altLang="en-US" b="0" i="0" dirty="0">
-                <a:solidFill>
-                  <a:srgbClr val="ECECEC"/>
-                </a:solidFill>
-                <a:effectLst/>
-                <a:latin typeface="-apple-system"/>
-              </a:rPr>
-              <a:t>을 가져와 </a:t>
-            </a:r>
-            <a:r>
-              <a:rPr lang="en-US" altLang="ko-KR" b="0" i="0" dirty="0">
-                <a:solidFill>
-                  <a:srgbClr val="ECECEC"/>
-                </a:solidFill>
-                <a:effectLst/>
-                <a:latin typeface="-apple-system"/>
-              </a:rPr>
-              <a:t>3</a:t>
-            </a:r>
-            <a:r>
-              <a:rPr lang="ko-KR" altLang="en-US" b="0" i="0" dirty="0">
-                <a:solidFill>
-                  <a:srgbClr val="ECECEC"/>
-                </a:solidFill>
-                <a:effectLst/>
-                <a:latin typeface="-apple-system"/>
-              </a:rPr>
-              <a:t>가지 방식으로 전처리를 제공하고 </a:t>
-            </a:r>
-            <a:r>
-              <a:rPr lang="en-US" altLang="ko-KR" b="0" i="0" dirty="0" err="1">
-                <a:solidFill>
-                  <a:srgbClr val="ECECEC"/>
-                </a:solidFill>
-                <a:effectLst/>
-                <a:latin typeface="-apple-system"/>
-              </a:rPr>
-              <a:t>pytorch</a:t>
-            </a:r>
-            <a:r>
-              <a:rPr lang="en-US" altLang="ko-KR" b="0" i="0" dirty="0">
-                <a:solidFill>
-                  <a:srgbClr val="ECECEC"/>
-                </a:solidFill>
-                <a:effectLst/>
-                <a:latin typeface="-apple-system"/>
-              </a:rPr>
-              <a:t> </a:t>
-            </a:r>
-            <a:r>
-              <a:rPr lang="ko-KR" altLang="en-US" b="0" i="0" dirty="0">
-                <a:solidFill>
-                  <a:srgbClr val="ECECEC"/>
-                </a:solidFill>
-                <a:effectLst/>
-                <a:latin typeface="-apple-system"/>
-              </a:rPr>
-              <a:t>기반의 딥러닝 모델로 한국어만 지원하고 </a:t>
-            </a:r>
-            <a:r>
-              <a:rPr lang="ko-KR" altLang="en-US" b="0" i="0" dirty="0" err="1">
-                <a:solidFill>
-                  <a:srgbClr val="ECECEC"/>
-                </a:solidFill>
-                <a:effectLst/>
-                <a:latin typeface="-apple-system"/>
-              </a:rPr>
-              <a:t>그중에서</a:t>
-            </a:r>
-            <a:r>
-              <a:rPr lang="ko-KR" altLang="en-US" b="0" i="0" dirty="0">
-                <a:solidFill>
-                  <a:srgbClr val="ECECEC"/>
-                </a:solidFill>
-                <a:effectLst/>
-                <a:latin typeface="-apple-system"/>
-              </a:rPr>
-              <a:t> 저희는 </a:t>
-            </a:r>
-            <a:r>
-              <a:rPr lang="en-US" altLang="ko-KR" b="0" i="0" dirty="0">
-                <a:solidFill>
-                  <a:srgbClr val="ECECEC"/>
-                </a:solidFill>
-                <a:effectLst/>
-                <a:latin typeface="-apple-system"/>
-              </a:rPr>
-              <a:t>deepspeech2 </a:t>
-            </a:r>
-            <a:r>
-              <a:rPr lang="ko-KR" altLang="en-US" b="0" i="0" dirty="0">
-                <a:solidFill>
-                  <a:srgbClr val="ECECEC"/>
-                </a:solidFill>
-                <a:effectLst/>
-                <a:latin typeface="-apple-system"/>
-              </a:rPr>
-              <a:t>모델을 사용 </a:t>
+              <a:t>시간의 한국어 음성 데이터</a:t>
             </a:r>
             <a:endParaRPr lang="en-US" altLang="ko-KR" dirty="0"/>
           </a:p>
@@ -2104,11 +1955,11 @@
             </a:pPr>
             <a:r>
               <a:rPr lang="ko-KR" altLang="en-US" dirty="0"/>
-              <a:t>이전에 사용되던 </a:t>
+              <a:t>이전에 사용되던 화자 분리</a:t>
             </a:r>
             <a:r>
               <a:rPr lang="en-US" altLang="ko-KR" dirty="0"/>
-              <a:t>wsj0 </a:t>
+              <a:t> </a:t>
             </a:r>
             <a:r>
               <a:rPr lang="ko-KR" altLang="en-US" dirty="0"/>
@@ -2120,7 +1971,7 @@
             </a:r>
             <a:r>
               <a:rPr lang="ko-KR" altLang="en-US" dirty="0"/>
-              <a:t>미만으로 겹쳐지는 상황이 대부분이라 학습된 데이터 이외의 데이터에서는 상당한 성능 저하가 일어나서 고안된 데이터로 실제 해당 데이터로 학습된 모델에서 보다 더 나은 </a:t>
+              <a:t>미만으로 겹쳐지는 상황이 대부분이라 고안된 데이터로 실제 해당 데이터로 학습된 모델에서 보다 더 나은 </a:t>
             </a:r>
             <a:r>
               <a:rPr lang="en-US" altLang="ko-KR" dirty="0"/>
@@ -2128,14 +1979,12 @@
             </a:r>
             <a:r>
               <a:rPr lang="ko-KR" altLang="en-US" dirty="0"/>
-              <a:t> 성능을 보였다고 나와있습니다</a:t>
+              <a:t> 성능을 보입니다</a:t>
             </a:r>
             <a:r>
               <a:rPr lang="en-US" altLang="ko-KR" dirty="0"/>
               <a:t>. </a:t>
             </a:r>
-          </a:p>
-          <a:p>
             <a:endParaRPr lang="ko-KR" altLang="en-US" dirty="0"/>
           </a:p>
         </p:txBody>
@@ -2221,6 +2070,54 @@
           <a:bodyPr/>
           <a:lstStyle/>
           <a:p>
+            <a:r>
+              <a:rPr lang="ko-KR" altLang="en-US" dirty="0"/>
+              <a:t>다음은 모델 평가 기준입니다</a:t>
+            </a:r>
+            <a:r>
+              <a:rPr lang="en-US" altLang="ko-KR" dirty="0"/>
+              <a:t>. ~</a:t>
+            </a:r>
+            <a:r>
+              <a:rPr lang="ko-KR" altLang="en-US" dirty="0"/>
+              <a:t>와 </a:t>
+            </a:r>
+            <a:r>
+              <a:rPr lang="en-US" altLang="ko-KR" dirty="0"/>
+              <a:t>~</a:t>
+            </a:r>
+            <a:r>
+              <a:rPr lang="ko-KR" altLang="en-US" dirty="0"/>
+              <a:t>의 성능을 비교할 예정인데</a:t>
+            </a:r>
+            <a:r>
+              <a:rPr lang="en-US" altLang="ko-KR" dirty="0"/>
+              <a:t>, </a:t>
+            </a:r>
+            <a:r>
+              <a:rPr lang="ko-KR" altLang="en-US" dirty="0"/>
+              <a:t>성능은 </a:t>
+            </a:r>
+            <a:r>
+              <a:rPr lang="en-US" altLang="ko-KR" dirty="0"/>
+              <a:t>WER</a:t>
+            </a:r>
+            <a:r>
+              <a:rPr lang="ko-KR" altLang="en-US" dirty="0"/>
+              <a:t>과 </a:t>
+            </a:r>
+            <a:r>
+              <a:rPr lang="en-US" altLang="ko-KR" dirty="0"/>
+              <a:t>CER</a:t>
+            </a:r>
+            <a:r>
+              <a:rPr lang="ko-KR" altLang="en-US" dirty="0"/>
+              <a:t>을 사용하여 각각 문자 수준에서 발생한 에러와 단어 수준에서 발생한 에러 비율을 계산할 예정입니다</a:t>
+            </a:r>
+            <a:r>
+              <a:rPr lang="en-US" altLang="ko-KR" dirty="0"/>
+              <a:t>. </a:t>
+            </a:r>
             <a:endParaRPr lang="ko-KR" altLang="en-US" dirty="0"/>
           </a:p>
         </p:txBody>
@@ -2391,6 +2288,14 @@
           <a:bodyPr/>
           <a:lstStyle/>
           <a:p>
+            <a:r>
+              <a:rPr lang="ko-KR" altLang="en-US" dirty="0"/>
+              <a:t>저희는 이 프로젝트를 통해 다음과 같은 성능의 개선을 기대하고 있습니다</a:t>
+            </a:r>
+            <a:r>
+              <a:rPr lang="en-US" altLang="ko-KR" dirty="0"/>
+              <a:t>. </a:t>
+            </a:r>
             <a:endParaRPr lang="ko-KR" altLang="en-US" dirty="0"/>
           </a:p>
         </p:txBody>
@@ -2486,15 +2391,7 @@
             </a:r>
             <a:r>
               <a:rPr lang="ko-KR" altLang="en-US" dirty="0"/>
-              <a:t>차적인 목표는 뉴스 데이터에서 </a:t>
-            </a:r>
-            <a:r>
-              <a:rPr lang="en-US" altLang="ko-KR" dirty="0"/>
-              <a:t>text</a:t>
-            </a:r>
-            <a:r>
-              <a:rPr lang="ko-KR" altLang="en-US" dirty="0"/>
-              <a:t>를 추출한 뒤 기사의 요약문을 생성하는 시스템을 개발하는 것 이지만</a:t>
+              <a:t>차적인 목표는 뉴스 데이터에서 정확한 기사의 요약문을 생성하는 시스템을 개발하는 것 이지만</a:t>
             </a:r>
             <a:r>
               <a:rPr lang="en-US" altLang="ko-KR" dirty="0"/>
@@ -3006,7 +2903,7 @@
           <a:p>
             <a:r>
               <a:rPr lang="ko-KR" altLang="en-US" dirty="0"/>
-              <a:t>저희 조는 이중 첫번째 방법인 음성 정보를 사용하여 음성 요약을 수행하는 방법을 개선하는 방법을 사용하여 음성 요약의 성능을 제공하기로 하였습니다</a:t>
+              <a:t>저희 조는 이중 첫번째 방법인 음성 정보를 사용하여 음성 요약을 수행하는 방법을 개선하여 음성 요약의 성능을 개선하기로 하였습니다</a:t>
             </a:r>
             <a:r>
               <a:rPr lang="en-US" altLang="ko-KR" dirty="0"/>
@@ -3014,15 +2911,7 @@
             </a:r>
             <a:r>
               <a:rPr lang="ko-KR" altLang="en-US" dirty="0"/>
-              <a:t>저희 조는 화자 분리를 이용하여 화자가 </a:t>
-            </a:r>
-            <a:r>
-              <a:rPr lang="ko-KR" altLang="en-US" dirty="0" err="1"/>
-              <a:t>여러명인</a:t>
-            </a:r>
-            <a:r>
-              <a:rPr lang="ko-KR" altLang="en-US" dirty="0"/>
-              <a:t> 상황에서 음성 요약의 성능을 개선되지 않을까 라는 아이디어에 의해 음성에 화자 분리를 적용하여 음성을 분리하여 </a:t>
+              <a:t>저희 조는 화자 분리를 이용하여 화자가 여러 명인 상황에서 음성 요약의 성능을 개선되지 않을까 라는 아이디어에 의해 음성에 화자 분리를 적용하여 </a:t>
             </a:r>
             <a:r>
               <a:rPr lang="en-US" altLang="ko-KR" dirty="0"/>
@@ -3086,7 +2975,15 @@
             </a:r>
             <a:r>
               <a:rPr lang="ko-KR" altLang="en-US" dirty="0"/>
-              <a:t>단순하게 텍스트로 변환하여 요약을 수행하는 것 보다 화자 별로 스크립트를 따로 제공하면 요약문의 정확도가 높아질 것으로 기대를 하고 있습니다</a:t>
+              <a:t>단순하게 텍스트로 변환하여 요약을 수행하게 되면 글의 일관성이 떨어져 정확하지 않은 요약문이 생성될 것이라고 생각하였고</a:t>
+            </a:r>
+            <a:r>
+              <a:rPr lang="en-US" altLang="ko-KR" dirty="0"/>
+              <a:t>,</a:t>
+            </a:r>
+            <a:r>
+              <a:rPr lang="ko-KR" altLang="en-US" dirty="0"/>
+              <a:t> 화자 별로 스크립트를 따로 제공하면 요약문의 정확도가 높아질 것으로 기대를 하고 있습니다</a:t>
             </a:r>
             <a:r>
               <a:rPr lang="en-US" altLang="ko-KR" dirty="0"/>
@@ -3177,6 +3074,62 @@
           <a:bodyPr/>
           <a:lstStyle/>
           <a:p>
+            <a:r>
+              <a:rPr lang="ko-KR" altLang="en-US" dirty="0"/>
+              <a:t>저희 조의 프로젝트 다이어그램은 다음과 같습니다</a:t>
+            </a:r>
+            <a:r>
+              <a:rPr lang="en-US" altLang="ko-KR" dirty="0"/>
+              <a:t>. </a:t>
+            </a:r>
+            <a:r>
+              <a:rPr lang="ko-KR" altLang="en-US" dirty="0"/>
+              <a:t>음성을 특정기준으로 </a:t>
+            </a:r>
+            <a:r>
+              <a:rPr lang="en-US" altLang="ko-KR" dirty="0"/>
+              <a:t>segment</a:t>
+            </a:r>
+            <a:r>
+              <a:rPr lang="ko-KR" altLang="en-US" dirty="0"/>
+              <a:t>로 분리한 이후 각각의 </a:t>
+            </a:r>
+            <a:r>
+              <a:rPr lang="en-US" altLang="ko-KR" dirty="0"/>
+              <a:t>segment</a:t>
+            </a:r>
+            <a:r>
+              <a:rPr lang="ko-KR" altLang="en-US" dirty="0"/>
+              <a:t>에 대해 화자분리를 수행하고</a:t>
+            </a:r>
+            <a:r>
+              <a:rPr lang="en-US" altLang="ko-KR" dirty="0"/>
+              <a:t>, </a:t>
+            </a:r>
+            <a:r>
+              <a:rPr lang="ko-KR" altLang="en-US" dirty="0"/>
+              <a:t>화자 별로 발화 음성을 묶어 </a:t>
+            </a:r>
+            <a:r>
+              <a:rPr lang="en-US" altLang="ko-KR" dirty="0"/>
+              <a:t>STT</a:t>
+            </a:r>
+            <a:r>
+              <a:rPr lang="ko-KR" altLang="en-US" dirty="0"/>
+              <a:t>를 수행하게 됩니다</a:t>
+            </a:r>
+            <a:r>
+              <a:rPr lang="en-US" altLang="ko-KR" dirty="0"/>
+              <a:t>.</a:t>
+            </a:r>
+            <a:r>
+              <a:rPr lang="ko-KR" altLang="en-US" dirty="0"/>
+              <a:t>이를 바탕으로 요약문을 생성하게 됩니다</a:t>
+            </a:r>
+            <a:r>
+              <a:rPr lang="en-US" altLang="ko-KR" dirty="0"/>
+              <a:t>.  </a:t>
+            </a:r>
             <a:endParaRPr lang="ko-KR" altLang="en-US" dirty="0"/>
           </a:p>
         </p:txBody>
@@ -3264,7 +3217,31 @@
           <a:p>
             <a:r>
               <a:rPr lang="ko-KR" altLang="en-US" dirty="0"/>
-              <a:t>사용하려는 </a:t>
+              <a:t>사용 예정 모델은 다음과 같습니다</a:t>
+            </a:r>
+            <a:r>
+              <a:rPr lang="en-US" altLang="ko-KR" dirty="0"/>
+              <a:t>. STT</a:t>
+            </a:r>
+            <a:r>
+              <a:rPr lang="ko-KR" altLang="en-US" dirty="0"/>
+              <a:t>모델의 경우 </a:t>
+            </a:r>
+            <a:r>
+              <a:rPr lang="en-US" altLang="ko-KR" dirty="0"/>
+              <a:t>deepspeech2</a:t>
+            </a:r>
+            <a:r>
+              <a:rPr lang="ko-KR" altLang="en-US" dirty="0"/>
+              <a:t>를 사용할 예정인데</a:t>
+            </a:r>
+            <a:r>
+              <a:rPr lang="en-US" altLang="ko-KR" dirty="0"/>
+              <a:t>, </a:t>
+            </a:r>
+            <a:r>
+              <a:rPr lang="ko-KR" altLang="en-US" dirty="0"/>
+              <a:t> </a:t>
             </a:r>
             <a:r>
               <a:rPr lang="en-US" altLang="ko-KR" dirty="0" err="1"/>
@@ -3276,30 +3253,11 @@
             </a:r>
             <a:r>
               <a:rPr lang="ko-KR" altLang="en-US" dirty="0"/>
-              <a:t>오픈 소스에서 지원하는 모델 </a:t>
+              <a:t>오픈 소스에서 지원하는 모델로</a:t>
             </a:r>
             <a:r>
               <a:rPr lang="en-US" altLang="ko-KR" dirty="0"/>
-              <a:t>deepspeech2</a:t>
-            </a:r>
-            <a:r>
-              <a:rPr lang="ko-KR" altLang="en-US" dirty="0"/>
-              <a:t>를 사용하려는 이유 </a:t>
-            </a:r>
-            <a:endParaRPr lang="en-US" altLang="ko-KR" dirty="0"/>
-          </a:p>
-          <a:p>
-            <a:r>
-              <a:rPr lang="en-US" altLang="ko-KR" dirty="0"/>
-              <a:t>Deepspeech2</a:t>
-            </a:r>
-            <a:r>
-              <a:rPr lang="ko-KR" altLang="en-US" dirty="0"/>
-              <a:t>는 </a:t>
-            </a:r>
-            <a:r>
-              <a:rPr lang="en-US" altLang="ko-KR" dirty="0"/>
-              <a:t>character-based CTC </a:t>
+              <a:t> character-based CTC </a:t>
             </a:r>
             <a:r>
               <a:rPr lang="ko-KR" altLang="en-US" dirty="0"/>
@@ -3326,19 +3284,13 @@
               <a:t>(CTC =&gt; loss) </a:t>
             </a:r>
             <a:r>
-              <a:rPr lang="ko-KR" altLang="en-US" dirty="0" err="1"/>
-              <a:t>디코더를</a:t>
-            </a:r>
-            <a:r>
               <a:rPr lang="ko-KR" altLang="en-US" dirty="0"/>
-              <a:t> 따로 하지 않아도 되는 장점이 있다</a:t>
+              <a:t>디코딩 따로 하지 않아도 되는 장점이 있다</a:t>
             </a:r>
             <a:r>
               <a:rPr lang="en-US" altLang="ko-KR" dirty="0"/>
               <a:t>. </a:t>
             </a:r>
-          </a:p>
-          <a:p>
             <a:r>
               <a:rPr lang="ko-KR" altLang="en-US" dirty="0"/>
               <a:t>또한</a:t>
@@ -3357,11 +3309,11 @@
             </a:r>
             <a:r>
               <a:rPr lang="ko-KR" altLang="en-US" dirty="0"/>
-              <a:t>에 랜덤 노이즈를 추가해 학습하여 인식 성능도 높였다고 한다</a:t>
+              <a:t>에 랜덤 노이즈를 추가해 학습하여 인식 성능도 높였습니다</a:t>
             </a:r>
             <a:r>
               <a:rPr lang="en-US" altLang="ko-KR" dirty="0"/>
-              <a:t>. </a:t>
+              <a:t>.</a:t>
             </a:r>
           </a:p>
           <a:p>
@@ -3453,6 +3405,101 @@
           <a:bodyPr/>
           <a:lstStyle/>
           <a:p>
+            <a:pPr marL="0" indent="0" algn="just" latinLnBrk="1">
+              <a:lnSpc>
+                <a:spcPct val="107000"/>
+              </a:lnSpc>
+              <a:spcAft>
+                <a:spcPts val="800"/>
+              </a:spcAft>
+              <a:buNone/>
+            </a:pPr>
+            <a:r>
+              <a:rPr lang="ko-KR" altLang="en-US" sz="1200" kern="100" dirty="0">
+                <a:solidFill>
+                  <a:srgbClr val="111111"/>
+                </a:solidFill>
+                <a:effectLst/>
+                <a:latin typeface="Segoe UI" panose="020B0502040204020203" pitchFamily="34" charset="0"/>
+                <a:ea typeface="맑은 고딕" panose="020B0503020000020004" pitchFamily="50" charset="-127"/>
+                <a:cs typeface="Segoe UI" panose="020B0502040204020203" pitchFamily="34" charset="0"/>
+              </a:rPr>
+              <a:t>다음은 요약 생성 모델입니다</a:t>
+            </a:r>
+            <a:r>
+              <a:rPr lang="en-US" altLang="ko-KR" sz="1200" kern="100" dirty="0">
+                <a:solidFill>
+                  <a:srgbClr val="111111"/>
+                </a:solidFill>
+                <a:effectLst/>
+                <a:latin typeface="Segoe UI" panose="020B0502040204020203" pitchFamily="34" charset="0"/>
+                <a:ea typeface="맑은 고딕" panose="020B0503020000020004" pitchFamily="50" charset="-127"/>
+                <a:cs typeface="Segoe UI" panose="020B0502040204020203" pitchFamily="34" charset="0"/>
+              </a:rPr>
+              <a:t>. </a:t>
+            </a:r>
+            <a:r>
+              <a:rPr lang="ko-KR" altLang="en-US" sz="1200" kern="100" dirty="0" err="1">
+                <a:solidFill>
+                  <a:srgbClr val="111111"/>
+                </a:solidFill>
+                <a:effectLst/>
+                <a:latin typeface="Segoe UI" panose="020B0502040204020203" pitchFamily="34" charset="0"/>
+                <a:ea typeface="맑은 고딕" panose="020B0503020000020004" pitchFamily="50" charset="-127"/>
+                <a:cs typeface="Segoe UI" panose="020B0502040204020203" pitchFamily="34" charset="0"/>
+              </a:rPr>
+              <a:t>딥러닝을</a:t>
+            </a:r>
+            <a:r>
+              <a:rPr lang="ko-KR" altLang="en-US" sz="1200" kern="100" dirty="0">
+                <a:solidFill>
+                  <a:srgbClr val="111111"/>
+                </a:solidFill>
+                <a:effectLst/>
+                <a:latin typeface="Segoe UI" panose="020B0502040204020203" pitchFamily="34" charset="0"/>
+                <a:ea typeface="맑은 고딕" panose="020B0503020000020004" pitchFamily="50" charset="-127"/>
+                <a:cs typeface="Segoe UI" panose="020B0502040204020203" pitchFamily="34" charset="0"/>
+              </a:rPr>
+              <a:t> 활용한 요약에는 추출 요약과 </a:t>
+            </a:r>
+            <a:r>
+              <a:rPr lang="ko-KR" altLang="en-US" sz="1200" kern="100" dirty="0" err="1">
+                <a:solidFill>
+                  <a:srgbClr val="111111"/>
+                </a:solidFill>
+                <a:effectLst/>
+                <a:latin typeface="Segoe UI" panose="020B0502040204020203" pitchFamily="34" charset="0"/>
+                <a:ea typeface="맑은 고딕" panose="020B0503020000020004" pitchFamily="50" charset="-127"/>
+                <a:cs typeface="Segoe UI" panose="020B0502040204020203" pitchFamily="34" charset="0"/>
+              </a:rPr>
+              <a:t>생겅</a:t>
+            </a:r>
+            <a:r>
+              <a:rPr lang="ko-KR" altLang="en-US" sz="1200" kern="100" dirty="0">
+                <a:solidFill>
+                  <a:srgbClr val="111111"/>
+                </a:solidFill>
+                <a:effectLst/>
+                <a:latin typeface="Segoe UI" panose="020B0502040204020203" pitchFamily="34" charset="0"/>
+                <a:ea typeface="맑은 고딕" panose="020B0503020000020004" pitchFamily="50" charset="-127"/>
+                <a:cs typeface="Segoe UI" panose="020B0502040204020203" pitchFamily="34" charset="0"/>
+              </a:rPr>
+              <a:t> 요약이 있습니다</a:t>
+            </a:r>
+            <a:r>
+              <a:rPr lang="en-US" altLang="ko-KR" sz="1200" kern="100" dirty="0">
+                <a:solidFill>
+                  <a:srgbClr val="111111"/>
+                </a:solidFill>
+                <a:effectLst/>
+                <a:latin typeface="Segoe UI" panose="020B0502040204020203" pitchFamily="34" charset="0"/>
+                <a:ea typeface="맑은 고딕" panose="020B0503020000020004" pitchFamily="50" charset="-127"/>
+                <a:cs typeface="Segoe UI" panose="020B0502040204020203" pitchFamily="34" charset="0"/>
+              </a:rPr>
+              <a:t>. </a:t>
+            </a:r>
+          </a:p>
+          <a:p>
             <a:pPr marL="342900" indent="-342900" algn="just" latinLnBrk="1">
               <a:lnSpc>
                 <a:spcPct val="107000"/>
@@ -3619,6 +3666,18 @@
               <a:t>생성</a:t>
             </a:r>
             <a:r>
+              <a:rPr lang="ko-KR" altLang="en-US" sz="1200" kern="100" dirty="0">
+                <a:solidFill>
+                  <a:srgbClr val="111111"/>
+                </a:solidFill>
+                <a:effectLst/>
+                <a:latin typeface="Segoe UI" panose="020B0502040204020203" pitchFamily="34" charset="0"/>
+                <a:ea typeface="맑은 고딕" panose="020B0503020000020004" pitchFamily="50" charset="-127"/>
+                <a:cs typeface="Segoe UI" panose="020B0502040204020203" pitchFamily="34" charset="0"/>
+              </a:rPr>
+              <a:t>을 하는 방법으로</a:t>
+            </a:r>
+            <a:r>
               <a:rPr lang="en-US" altLang="ko-KR" sz="1200" kern="100" dirty="0">
                 <a:solidFill>
                   <a:srgbClr val="111111"/>
@@ -4228,6 +4287,85 @@
                 <a:cs typeface="Times New Roman" panose="02020603050405020304" pitchFamily="18" charset="0"/>
               </a:rPr>
               <a:t>.</a:t>
+            </a:r>
+          </a:p>
+          <a:p>
+            <a:pPr marL="342900" indent="-342900" algn="just" latinLnBrk="1">
+              <a:lnSpc>
+                <a:spcPct val="107000"/>
+              </a:lnSpc>
+              <a:spcAft>
+                <a:spcPts val="800"/>
+              </a:spcAft>
+              <a:buAutoNum type="arabicPeriod"/>
+            </a:pPr>
+            <a:endParaRPr lang="en-US" altLang="ko-KR" sz="1200" kern="100" dirty="0">
+              <a:solidFill>
+                <a:srgbClr val="111111"/>
+              </a:solidFill>
+              <a:effectLst/>
+              <a:latin typeface="Segoe UI" panose="020B0502040204020203" pitchFamily="34" charset="0"/>
+              <a:ea typeface="맑은 고딕" panose="020B0503020000020004" pitchFamily="50" charset="-127"/>
+              <a:cs typeface="Times New Roman" panose="02020603050405020304" pitchFamily="18" charset="0"/>
+            </a:endParaRPr>
+          </a:p>
+          <a:p>
+            <a:pPr marL="0" indent="0" algn="just" latinLnBrk="1">
+              <a:lnSpc>
+                <a:spcPct val="107000"/>
+              </a:lnSpc>
+              <a:spcAft>
+                <a:spcPts val="800"/>
+              </a:spcAft>
+              <a:buNone/>
+            </a:pPr>
+            <a:r>
+              <a:rPr lang="ko-KR" altLang="en-US" sz="1200" kern="100" dirty="0">
+                <a:solidFill>
+                  <a:srgbClr val="111111"/>
+                </a:solidFill>
+                <a:effectLst/>
+                <a:latin typeface="Segoe UI" panose="020B0502040204020203" pitchFamily="34" charset="0"/>
+                <a:ea typeface="맑은 고딕" panose="020B0503020000020004" pitchFamily="50" charset="-127"/>
+                <a:cs typeface="Times New Roman" panose="02020603050405020304" pitchFamily="18" charset="0"/>
+              </a:rPr>
+              <a:t>이중 저희는 생성 요약을 위하여 </a:t>
+            </a:r>
+            <a:r>
+              <a:rPr lang="en-US" altLang="ko-KR" sz="1200" kern="100" dirty="0" err="1">
+                <a:solidFill>
+                  <a:srgbClr val="111111"/>
+                </a:solidFill>
+                <a:effectLst/>
+                <a:latin typeface="Segoe UI" panose="020B0502040204020203" pitchFamily="34" charset="0"/>
+                <a:ea typeface="맑은 고딕" panose="020B0503020000020004" pitchFamily="50" charset="-127"/>
+                <a:cs typeface="Times New Roman" panose="02020603050405020304" pitchFamily="18" charset="0"/>
+              </a:rPr>
+              <a:t>gpt</a:t>
+            </a:r>
+            <a:r>
+              <a:rPr lang="ko-KR" altLang="en-US" sz="1200" kern="100" dirty="0">
+                <a:solidFill>
+                  <a:srgbClr val="111111"/>
+                </a:solidFill>
+                <a:effectLst/>
+                <a:latin typeface="Segoe UI" panose="020B0502040204020203" pitchFamily="34" charset="0"/>
+                <a:ea typeface="맑은 고딕" panose="020B0503020000020004" pitchFamily="50" charset="-127"/>
+                <a:cs typeface="Times New Roman" panose="02020603050405020304" pitchFamily="18" charset="0"/>
+              </a:rPr>
+              <a:t>기반의 모델을 사용하여 자연스러운 요약문을 출력할 예정입니다</a:t>
+            </a:r>
+            <a:r>
+              <a:rPr lang="en-US" altLang="ko-KR" sz="1200" kern="100" dirty="0">
+                <a:solidFill>
+                  <a:srgbClr val="111111"/>
+                </a:solidFill>
+                <a:effectLst/>
+                <a:latin typeface="Segoe UI" panose="020B0502040204020203" pitchFamily="34" charset="0"/>
+                <a:ea typeface="맑은 고딕" panose="020B0503020000020004" pitchFamily="50" charset="-127"/>
+                <a:cs typeface="Times New Roman" panose="02020603050405020304" pitchFamily="18" charset="0"/>
+              </a:rPr>
+              <a:t>. </a:t>
             </a:r>
           </a:p>
         </p:txBody>
@@ -4449,7 +4587,7 @@
             <a:fld id="{7C350D00-E9DF-4C32-8EF9-982D014E2409}" type="datetimeFigureOut">
               <a:rPr lang="ko-KR" altLang="en-US" smtClean="0"/>
               <a:pPr/>
-              <a:t>2023-03-23</a:t>
+              <a:t>2023-03-24</a:t>
             </a:fld>
             <a:endParaRPr lang="ko-KR" altLang="en-US"/>
           </a:p>
@@ -4614,7 +4752,7 @@
             <a:fld id="{7C350D00-E9DF-4C32-8EF9-982D014E2409}" type="datetimeFigureOut">
               <a:rPr lang="ko-KR" altLang="en-US" smtClean="0"/>
               <a:pPr/>
-              <a:t>2023-03-23</a:t>
+              <a:t>2023-03-24</a:t>
             </a:fld>
             <a:endParaRPr lang="ko-KR" altLang="en-US"/>
           </a:p>
@@ -4789,7 +4927,7 @@
             <a:fld id="{7C350D00-E9DF-4C32-8EF9-982D014E2409}" type="datetimeFigureOut">
               <a:rPr lang="ko-KR" altLang="en-US" smtClean="0"/>
               <a:pPr/>
-              <a:t>2023-03-23</a:t>
+              <a:t>2023-03-24</a:t>
             </a:fld>
             <a:endParaRPr lang="ko-KR" altLang="en-US"/>
           </a:p>
@@ -4954,7 +5092,7 @@
             <a:fld id="{7C350D00-E9DF-4C32-8EF9-982D014E2409}" type="datetimeFigureOut">
               <a:rPr lang="ko-KR" altLang="en-US" smtClean="0"/>
               <a:pPr/>
-              <a:t>2023-03-23</a:t>
+              <a:t>2023-03-24</a:t>
             </a:fld>
             <a:endParaRPr lang="ko-KR" altLang="en-US"/>
           </a:p>
@@ -5196,7 +5334,7 @@
             <a:fld id="{7C350D00-E9DF-4C32-8EF9-982D014E2409}" type="datetimeFigureOut">
               <a:rPr lang="ko-KR" altLang="en-US" smtClean="0"/>
               <a:pPr/>
-              <a:t>2023-03-23</a:t>
+              <a:t>2023-03-24</a:t>
             </a:fld>
             <a:endParaRPr lang="ko-KR" altLang="en-US"/>
           </a:p>
@@ -5478,7 +5616,7 @@
             <a:fld id="{7C350D00-E9DF-4C32-8EF9-982D014E2409}" type="datetimeFigureOut">
               <a:rPr lang="ko-KR" altLang="en-US" smtClean="0"/>
               <a:pPr/>
-              <a:t>2023-03-23</a:t>
+              <a:t>2023-03-24</a:t>
             </a:fld>
             <a:endParaRPr lang="ko-KR" altLang="en-US"/>
           </a:p>
@@ -5899,7 +6037,7 @@
             <a:fld id="{7C350D00-E9DF-4C32-8EF9-982D014E2409}" type="datetimeFigureOut">
               <a:rPr lang="ko-KR" altLang="en-US" smtClean="0"/>
               <a:pPr/>
-              <a:t>2023-03-23</a:t>
+              <a:t>2023-03-24</a:t>
             </a:fld>
             <a:endParaRPr lang="ko-KR" altLang="en-US"/>
           </a:p>
@@ -6013,7 +6151,7 @@
             <a:fld id="{7C350D00-E9DF-4C32-8EF9-982D014E2409}" type="datetimeFigureOut">
               <a:rPr lang="ko-KR" altLang="en-US" smtClean="0"/>
               <a:pPr/>
-              <a:t>2023-03-23</a:t>
+              <a:t>2023-03-24</a:t>
             </a:fld>
             <a:endParaRPr lang="ko-KR" altLang="en-US"/>
           </a:p>
@@ -6105,7 +6243,7 @@
             <a:fld id="{7C350D00-E9DF-4C32-8EF9-982D014E2409}" type="datetimeFigureOut">
               <a:rPr lang="ko-KR" altLang="en-US" smtClean="0"/>
               <a:pPr/>
-              <a:t>2023-03-23</a:t>
+              <a:t>2023-03-24</a:t>
             </a:fld>
             <a:endParaRPr lang="ko-KR" altLang="en-US"/>
           </a:p>
@@ -6377,7 +6515,7 @@
             <a:fld id="{7C350D00-E9DF-4C32-8EF9-982D014E2409}" type="datetimeFigureOut">
               <a:rPr lang="ko-KR" altLang="en-US" smtClean="0"/>
               <a:pPr/>
-              <a:t>2023-03-23</a:t>
+              <a:t>2023-03-24</a:t>
             </a:fld>
             <a:endParaRPr lang="ko-KR" altLang="en-US"/>
           </a:p>
@@ -6626,7 +6764,7 @@
             <a:fld id="{7C350D00-E9DF-4C32-8EF9-982D014E2409}" type="datetimeFigureOut">
               <a:rPr lang="ko-KR" altLang="en-US" smtClean="0"/>
               <a:pPr/>
-              <a:t>2023-03-23</a:t>
+              <a:t>2023-03-24</a:t>
             </a:fld>
             <a:endParaRPr lang="ko-KR" altLang="en-US"/>
           </a:p>
@@ -6834,7 +6972,7 @@
             <a:fld id="{7C350D00-E9DF-4C32-8EF9-982D014E2409}" type="datetimeFigureOut">
               <a:rPr lang="ko-KR" altLang="en-US" smtClean="0"/>
               <a:pPr/>
-              <a:t>2023-03-23</a:t>
+              <a:t>2023-03-24</a:t>
             </a:fld>
             <a:endParaRPr lang="ko-KR" altLang="en-US"/>
           </a:p>

--- a/ppt/0324_2조 프로젝트 주제 발표.pptx
+++ b/ppt/0324_2조 프로젝트 주제 발표.pptx
@@ -153,15 +153,22 @@
   <pc:docChgLst>
     <pc:chgData name="나 현희" userId="a7b73e83492eed8a" providerId="LiveId" clId="{281A6C27-8DF7-4C7F-ACDD-C1D437CC2FEA}"/>
     <pc:docChg chg="modSld">
-      <pc:chgData name="나 현희" userId="a7b73e83492eed8a" providerId="LiveId" clId="{281A6C27-8DF7-4C7F-ACDD-C1D437CC2FEA}" dt="2023-03-24T06:31:01.255" v="283" actId="20577"/>
+      <pc:chgData name="나 현희" userId="a7b73e83492eed8a" providerId="LiveId" clId="{281A6C27-8DF7-4C7F-ACDD-C1D437CC2FEA}" dt="2023-03-24T06:58:13.252" v="447" actId="20577"/>
       <pc:docMkLst>
         <pc:docMk/>
       </pc:docMkLst>
       <pc:sldChg chg="modNotesTx">
-        <pc:chgData name="나 현희" userId="a7b73e83492eed8a" providerId="LiveId" clId="{281A6C27-8DF7-4C7F-ACDD-C1D437CC2FEA}" dt="2023-03-24T06:31:01.255" v="283" actId="20577"/>
+        <pc:chgData name="나 현희" userId="a7b73e83492eed8a" providerId="LiveId" clId="{281A6C27-8DF7-4C7F-ACDD-C1D437CC2FEA}" dt="2023-03-24T06:57:40.443" v="380" actId="20577"/>
         <pc:sldMkLst>
           <pc:docMk/>
           <pc:sldMk cId="821240103" sldId="275"/>
+        </pc:sldMkLst>
+      </pc:sldChg>
+      <pc:sldChg chg="modNotesTx">
+        <pc:chgData name="나 현희" userId="a7b73e83492eed8a" providerId="LiveId" clId="{281A6C27-8DF7-4C7F-ACDD-C1D437CC2FEA}" dt="2023-03-24T06:58:13.252" v="447" actId="20577"/>
+        <pc:sldMkLst>
+          <pc:docMk/>
+          <pc:sldMk cId="3890144068" sldId="276"/>
         </pc:sldMkLst>
       </pc:sldChg>
     </pc:docChg>
@@ -1588,284 +1595,105 @@
               <a:defRPr/>
             </a:pPr>
             <a:r>
-              <a:rPr lang="ko-KR" altLang="en-US" dirty="0"/>
-              <a:t>한국어 음성인식 모델을 제공하는 오픈소스</a:t>
-            </a:r>
-            <a:r>
-              <a:rPr lang="en-US" altLang="ko-KR" dirty="0"/>
-              <a:t>, </a:t>
-            </a:r>
-            <a:r>
-              <a:rPr lang="en-US" altLang="ko-KR" dirty="0" err="1"/>
-              <a:t>kospeech</a:t>
-            </a:r>
-            <a:r>
-              <a:rPr lang="ko-KR" altLang="en-US" dirty="0"/>
-              <a:t>의 모델들은 </a:t>
-            </a:r>
-            <a:r>
-              <a:rPr lang="en-US" altLang="ko-KR" dirty="0"/>
-              <a:t>end-to-end </a:t>
-            </a:r>
-            <a:r>
-              <a:rPr lang="ko-KR" altLang="en-US" dirty="0"/>
-              <a:t>방식을 따르는데 </a:t>
-            </a:r>
-            <a:r>
-              <a:rPr lang="en-US" altLang="ko-KR" dirty="0"/>
-              <a:t>raw-audio</a:t>
-            </a:r>
-            <a:r>
-              <a:rPr lang="ko-KR" altLang="en-US" dirty="0"/>
-              <a:t>를 통으로 </a:t>
-            </a:r>
-            <a:r>
-              <a:rPr lang="en-US" altLang="ko-KR" dirty="0"/>
-              <a:t>input</a:t>
-            </a:r>
-            <a:r>
-              <a:rPr lang="ko-KR" altLang="en-US" dirty="0"/>
-              <a:t>으로 </a:t>
-            </a:r>
-            <a:r>
-              <a:rPr lang="ko-KR" altLang="en-US" dirty="0" err="1"/>
-              <a:t>넣어주는것이</a:t>
-            </a:r>
-            <a:r>
-              <a:rPr lang="ko-KR" altLang="en-US" dirty="0"/>
-              <a:t> 특징으로 오디오 신호가 들어오면 특징을 추출하고 특징이 모델과 </a:t>
-            </a:r>
-            <a:r>
-              <a:rPr lang="en-US" altLang="ko-KR" dirty="0"/>
-              <a:t>CTC </a:t>
-            </a:r>
-            <a:r>
-              <a:rPr lang="ko-KR" altLang="en-US" dirty="0"/>
-              <a:t>알고리즘을 통과하여 텍스트로 출력된다</a:t>
-            </a:r>
-            <a:r>
-              <a:rPr lang="en-US" altLang="ko-KR" dirty="0"/>
+              <a:rPr lang="ko-KR" altLang="en-US" b="0" i="0" dirty="0">
+                <a:solidFill>
+                  <a:srgbClr val="ECECEC"/>
+                </a:solidFill>
+                <a:effectLst/>
+                <a:latin typeface="-apple-system"/>
+              </a:rPr>
+              <a:t>음성데이터를 </a:t>
+            </a:r>
+            <a:r>
+              <a:rPr lang="en-US" altLang="ko-KR" b="0" i="0" dirty="0">
+                <a:solidFill>
+                  <a:srgbClr val="ECECEC"/>
+                </a:solidFill>
+                <a:effectLst/>
+                <a:latin typeface="-apple-system"/>
+              </a:rPr>
+              <a:t>AI hub</a:t>
+            </a:r>
+            <a:r>
+              <a:rPr lang="ko-KR" altLang="en-US" b="0" i="0" dirty="0">
+                <a:solidFill>
+                  <a:srgbClr val="ECECEC"/>
+                </a:solidFill>
+                <a:effectLst/>
+                <a:latin typeface="-apple-system"/>
+              </a:rPr>
+              <a:t>의 </a:t>
+            </a:r>
+            <a:r>
+              <a:rPr lang="en-US" altLang="ko-KR" b="0" i="0" dirty="0" err="1">
+                <a:solidFill>
+                  <a:srgbClr val="ECECEC"/>
+                </a:solidFill>
+                <a:effectLst/>
+                <a:latin typeface="-apple-system"/>
+              </a:rPr>
+              <a:t>Kspon</a:t>
+            </a:r>
+            <a:r>
+              <a:rPr lang="ko-KR" altLang="en-US" b="0" i="0" dirty="0">
+                <a:solidFill>
+                  <a:srgbClr val="ECECEC"/>
+                </a:solidFill>
+                <a:effectLst/>
+                <a:latin typeface="-apple-system"/>
+              </a:rPr>
+              <a:t>이라는 약 </a:t>
+            </a:r>
+            <a:r>
+              <a:rPr lang="en-US" altLang="ko-KR" b="0" i="0" dirty="0">
+                <a:solidFill>
+                  <a:srgbClr val="ECECEC"/>
+                </a:solidFill>
+                <a:effectLst/>
+                <a:latin typeface="-apple-system"/>
+              </a:rPr>
+              <a:t>2000</a:t>
+            </a:r>
+            <a:r>
+              <a:rPr lang="ko-KR" altLang="en-US" b="0" i="0">
+                <a:solidFill>
+                  <a:srgbClr val="ECECEC"/>
+                </a:solidFill>
+                <a:effectLst/>
+                <a:latin typeface="-apple-system"/>
+              </a:rPr>
+              <a:t>여명의 </a:t>
+            </a:r>
+            <a:r>
+              <a:rPr lang="en-US" altLang="ko-KR" b="0" i="0">
+                <a:solidFill>
+                  <a:srgbClr val="ECECEC"/>
+                </a:solidFill>
+                <a:effectLst/>
+                <a:latin typeface="-apple-system"/>
+              </a:rPr>
+              <a:t>1,000</a:t>
+            </a:r>
+            <a:r>
+              <a:rPr lang="ko-KR" altLang="en-US" b="0" i="0" dirty="0">
+                <a:solidFill>
+                  <a:srgbClr val="ECECEC"/>
+                </a:solidFill>
+                <a:effectLst/>
+                <a:latin typeface="-apple-system"/>
+              </a:rPr>
+              <a:t>시간의 한국어 음성 데이터와 텍스트의 형태로 제공됩니다</a:t>
+            </a:r>
+            <a:r>
+              <a:rPr lang="en-US" altLang="ko-KR" b="0" i="0" dirty="0">
+                <a:solidFill>
+                  <a:srgbClr val="ECECEC"/>
+                </a:solidFill>
+                <a:effectLst/>
+                <a:latin typeface="-apple-system"/>
+              </a:rPr>
               <a:t>.</a:t>
             </a:r>
-          </a:p>
-          <a:p>
-            <a:pPr marL="0" marR="0" lvl="0" indent="0" algn="l" defTabSz="914400" rtl="0" eaLnBrk="1" fontAlgn="auto" latinLnBrk="1" hangingPunct="1">
-              <a:lnSpc>
-                <a:spcPct val="100000"/>
-              </a:lnSpc>
-              <a:spcBef>
-                <a:spcPts val="0"/>
-              </a:spcBef>
-              <a:spcAft>
-                <a:spcPts val="0"/>
-              </a:spcAft>
-              <a:buClrTx/>
-              <a:buSzTx/>
-              <a:buFontTx/>
-              <a:buNone/>
-              <a:tabLst/>
-              <a:defRPr/>
-            </a:pPr>
-            <a:r>
-              <a:rPr lang="ko-KR" altLang="en-US" b="0" i="0" dirty="0">
-                <a:solidFill>
-                  <a:srgbClr val="ECECEC"/>
-                </a:solidFill>
-                <a:effectLst/>
-                <a:latin typeface="-apple-system"/>
-              </a:rPr>
-              <a:t>음성데이터를 </a:t>
-            </a:r>
-            <a:r>
-              <a:rPr lang="en-US" altLang="ko-KR" b="0" i="0" dirty="0">
-                <a:solidFill>
-                  <a:srgbClr val="ECECEC"/>
-                </a:solidFill>
-                <a:effectLst/>
-                <a:latin typeface="-apple-system"/>
-              </a:rPr>
-              <a:t>AI hub</a:t>
-            </a:r>
-            <a:r>
-              <a:rPr lang="ko-KR" altLang="en-US" b="0" i="0" dirty="0">
-                <a:solidFill>
-                  <a:srgbClr val="ECECEC"/>
-                </a:solidFill>
-                <a:effectLst/>
-                <a:latin typeface="-apple-system"/>
-              </a:rPr>
-              <a:t>의 </a:t>
-            </a:r>
-            <a:r>
-              <a:rPr lang="en-US" altLang="ko-KR" b="0" i="0" dirty="0" err="1">
-                <a:solidFill>
-                  <a:srgbClr val="ECECEC"/>
-                </a:solidFill>
-                <a:effectLst/>
-                <a:latin typeface="-apple-system"/>
-              </a:rPr>
-              <a:t>Kspon</a:t>
-            </a:r>
-            <a:r>
-              <a:rPr lang="ko-KR" altLang="en-US" b="0" i="0" dirty="0">
-                <a:solidFill>
-                  <a:srgbClr val="ECECEC"/>
-                </a:solidFill>
-                <a:effectLst/>
-                <a:latin typeface="-apple-system"/>
-              </a:rPr>
-              <a:t>이라는 </a:t>
-            </a:r>
-            <a:r>
-              <a:rPr lang="en-US" altLang="ko-KR" b="0" i="0" dirty="0">
-                <a:solidFill>
-                  <a:srgbClr val="ECECEC"/>
-                </a:solidFill>
-                <a:effectLst/>
-                <a:latin typeface="-apple-system"/>
-              </a:rPr>
-              <a:t>1,000</a:t>
-            </a:r>
-            <a:r>
-              <a:rPr lang="ko-KR" altLang="en-US" b="0" i="0" dirty="0">
-                <a:solidFill>
-                  <a:srgbClr val="ECECEC"/>
-                </a:solidFill>
-                <a:effectLst/>
-                <a:latin typeface="-apple-system"/>
-              </a:rPr>
-              <a:t>시간의 한국어 음성 데이터와 이를 전사해 놓은 </a:t>
-            </a:r>
-            <a:r>
-              <a:rPr lang="en-US" altLang="ko-KR" b="0" i="0" dirty="0">
-                <a:solidFill>
-                  <a:srgbClr val="ECECEC"/>
-                </a:solidFill>
-                <a:effectLst/>
-                <a:latin typeface="-apple-system"/>
-              </a:rPr>
-              <a:t>Label</a:t>
-            </a:r>
-            <a:r>
-              <a:rPr lang="ko-KR" altLang="en-US" b="0" i="0" dirty="0">
-                <a:solidFill>
-                  <a:srgbClr val="ECECEC"/>
-                </a:solidFill>
-                <a:effectLst/>
-                <a:latin typeface="-apple-system"/>
-              </a:rPr>
-              <a:t>을 가져와 </a:t>
-            </a:r>
-            <a:r>
-              <a:rPr lang="en-US" altLang="ko-KR" b="0" i="0" dirty="0">
-                <a:solidFill>
-                  <a:srgbClr val="ECECEC"/>
-                </a:solidFill>
-                <a:effectLst/>
-                <a:latin typeface="-apple-system"/>
-              </a:rPr>
-              <a:t>3</a:t>
-            </a:r>
-            <a:r>
-              <a:rPr lang="ko-KR" altLang="en-US" b="0" i="0" dirty="0">
-                <a:solidFill>
-                  <a:srgbClr val="ECECEC"/>
-                </a:solidFill>
-                <a:effectLst/>
-                <a:latin typeface="-apple-system"/>
-              </a:rPr>
-              <a:t>가지 방식으로 전처리를 제공하고 </a:t>
-            </a:r>
-            <a:r>
-              <a:rPr lang="en-US" altLang="ko-KR" b="0" i="0" dirty="0" err="1">
-                <a:solidFill>
-                  <a:srgbClr val="ECECEC"/>
-                </a:solidFill>
-                <a:effectLst/>
-                <a:latin typeface="-apple-system"/>
-              </a:rPr>
-              <a:t>pytorch</a:t>
-            </a:r>
-            <a:r>
-              <a:rPr lang="en-US" altLang="ko-KR" b="0" i="0" dirty="0">
-                <a:solidFill>
-                  <a:srgbClr val="ECECEC"/>
-                </a:solidFill>
-                <a:effectLst/>
-                <a:latin typeface="-apple-system"/>
-              </a:rPr>
-              <a:t> </a:t>
-            </a:r>
-            <a:r>
-              <a:rPr lang="ko-KR" altLang="en-US" b="0" i="0" dirty="0">
-                <a:solidFill>
-                  <a:srgbClr val="ECECEC"/>
-                </a:solidFill>
-                <a:effectLst/>
-                <a:latin typeface="-apple-system"/>
-              </a:rPr>
-              <a:t>기반의 딥러닝 모델로 한국어만 지원하고 </a:t>
-            </a:r>
-            <a:r>
-              <a:rPr lang="ko-KR" altLang="en-US" b="0" i="0" dirty="0" err="1">
-                <a:solidFill>
-                  <a:srgbClr val="ECECEC"/>
-                </a:solidFill>
-                <a:effectLst/>
-                <a:latin typeface="-apple-system"/>
-              </a:rPr>
-              <a:t>그중에서</a:t>
-            </a:r>
-            <a:r>
-              <a:rPr lang="ko-KR" altLang="en-US" b="0" i="0" dirty="0">
-                <a:solidFill>
-                  <a:srgbClr val="ECECEC"/>
-                </a:solidFill>
-                <a:effectLst/>
-                <a:latin typeface="-apple-system"/>
-              </a:rPr>
-              <a:t> 저희는 </a:t>
-            </a:r>
-            <a:r>
-              <a:rPr lang="en-US" altLang="ko-KR" b="0" i="0" dirty="0">
-                <a:solidFill>
-                  <a:srgbClr val="ECECEC"/>
-                </a:solidFill>
-                <a:effectLst/>
-                <a:latin typeface="-apple-system"/>
-              </a:rPr>
-              <a:t>deepspeech2 </a:t>
-            </a:r>
-            <a:r>
-              <a:rPr lang="ko-KR" altLang="en-US" b="0" i="0" dirty="0">
-                <a:solidFill>
-                  <a:srgbClr val="ECECEC"/>
-                </a:solidFill>
-                <a:effectLst/>
-                <a:latin typeface="-apple-system"/>
-              </a:rPr>
-              <a:t>모델을 사용 </a:t>
-            </a:r>
-            <a:endParaRPr lang="en-US" altLang="ko-KR" dirty="0"/>
-          </a:p>
-          <a:p>
-            <a:pPr marL="0" marR="0" lvl="0" indent="0" algn="l" defTabSz="914400" rtl="0" eaLnBrk="1" fontAlgn="auto" latinLnBrk="1" hangingPunct="1">
-              <a:lnSpc>
-                <a:spcPct val="100000"/>
-              </a:lnSpc>
-              <a:spcBef>
-                <a:spcPts val="0"/>
-              </a:spcBef>
-              <a:spcAft>
-                <a:spcPts val="0"/>
-              </a:spcAft>
-              <a:buClrTx/>
-              <a:buSzTx/>
-              <a:buFontTx/>
-              <a:buNone/>
-              <a:tabLst/>
-              <a:defRPr/>
-            </a:pPr>
             <a:endParaRPr lang="en-US" altLang="ko-KR" dirty="0"/>
           </a:p>
           <a:p>
@@ -3280,38 +3108,23 @@
           <a:p>
             <a:r>
               <a:rPr lang="ko-KR" altLang="en-US" dirty="0"/>
-              <a:t>사용하려는 </a:t>
+              <a:t>저희가 사용하려는 </a:t>
+            </a:r>
+            <a:r>
+              <a:rPr lang="en-US" altLang="ko-KR" dirty="0"/>
+              <a:t>deepspeech2</a:t>
+            </a:r>
+            <a:r>
+              <a:rPr lang="ko-KR" altLang="en-US" dirty="0"/>
+              <a:t>는 </a:t>
             </a:r>
             <a:r>
               <a:rPr lang="en-US" altLang="ko-KR" dirty="0" err="1"/>
               <a:t>kospeech</a:t>
             </a:r>
             <a:r>
-              <a:rPr lang="en-US" altLang="ko-KR" dirty="0"/>
-              <a:t> </a:t>
-            </a:r>
-            <a:r>
               <a:rPr lang="ko-KR" altLang="en-US" dirty="0"/>
-              <a:t>오픈 소스에서 지원하는 모델 </a:t>
-            </a:r>
-            <a:r>
-              <a:rPr lang="en-US" altLang="ko-KR" dirty="0"/>
-              <a:t>deepspeech2</a:t>
-            </a:r>
-            <a:r>
-              <a:rPr lang="ko-KR" altLang="en-US" dirty="0"/>
-              <a:t>를 사용하려는 이유 </a:t>
-            </a:r>
-            <a:endParaRPr lang="en-US" altLang="ko-KR" dirty="0"/>
-          </a:p>
-          <a:p>
-            <a:r>
-              <a:rPr lang="en-US" altLang="ko-KR" dirty="0"/>
-              <a:t>Deepspeech2</a:t>
-            </a:r>
-            <a:r>
-              <a:rPr lang="ko-KR" altLang="en-US" dirty="0"/>
-              <a:t>는 </a:t>
+              <a:t>에서 제공하는 라이브러리로  </a:t>
             </a:r>
             <a:r>
               <a:rPr lang="en-US" altLang="ko-KR" dirty="0"/>
@@ -3400,16 +3213,13 @@
               <a:t>를 낮춰 사용할 계획이다</a:t>
             </a:r>
             <a:r>
-              <a:rPr lang="en-US" altLang="ko-KR"/>
+              <a:rPr lang="en-US" altLang="ko-KR" dirty="0"/>
               <a:t>. </a:t>
             </a:r>
             <a:r>
-              <a:rPr lang="ko-KR" altLang="en-US"/>
+              <a:rPr lang="ko-KR" altLang="en-US" dirty="0"/>
               <a:t> </a:t>
             </a:r>
-            <a:endParaRPr lang="en-US" altLang="ko-KR" dirty="0"/>
-          </a:p>
-          <a:p>
             <a:endParaRPr lang="en-US" altLang="ko-KR" dirty="0"/>
           </a:p>
           <a:p>

--- a/ppt/0324_2조 프로젝트 주제 발표.pptx
+++ b/ppt/0324_2조 프로젝트 주제 발표.pptx
@@ -143,7 +143,7 @@
 <file path=ppt/revisionInfo.xml><?xml version="1.0" encoding="utf-8"?>
 <p1510:revInfo xmlns:a="http://schemas.openxmlformats.org/drawingml/2006/main" xmlns:r="http://schemas.openxmlformats.org/officeDocument/2006/relationships" xmlns:p1510="http://schemas.microsoft.com/office/powerpoint/2015/10/main">
   <p1510:revLst>
-    <p1510:client id="{3AEB75FB-E6E2-444C-A04B-0553E9FE0B09}" v="1" dt="2023-03-23T14:49:13.609"/>
+    <p1510:client id="{281A6C27-8DF7-4C7F-ACDD-C1D437CC2FEA}" v="2" dt="2023-03-29T04:49:11.550"/>
   </p1510:revLst>
 </p1510:revInfo>
 </file>
@@ -152,8 +152,8 @@
 <pc:chgInfo xmlns:a="http://schemas.openxmlformats.org/drawingml/2006/main" xmlns:r="http://schemas.openxmlformats.org/officeDocument/2006/relationships" xmlns:ac="http://schemas.microsoft.com/office/drawing/2013/main/command" xmlns:pc="http://schemas.microsoft.com/office/powerpoint/2013/main/command">
   <pc:docChgLst>
     <pc:chgData name="나 현희" userId="a7b73e83492eed8a" providerId="LiveId" clId="{281A6C27-8DF7-4C7F-ACDD-C1D437CC2FEA}"/>
-    <pc:docChg chg="modSld">
-      <pc:chgData name="나 현희" userId="a7b73e83492eed8a" providerId="LiveId" clId="{281A6C27-8DF7-4C7F-ACDD-C1D437CC2FEA}" dt="2023-03-24T06:58:13.252" v="447" actId="20577"/>
+    <pc:docChg chg="undo custSel modSld">
+      <pc:chgData name="나 현희" userId="a7b73e83492eed8a" providerId="LiveId" clId="{281A6C27-8DF7-4C7F-ACDD-C1D437CC2FEA}" dt="2023-03-29T04:49:11.575" v="452" actId="27636"/>
       <pc:docMkLst>
         <pc:docMk/>
       </pc:docMkLst>
@@ -164,12 +164,27 @@
           <pc:sldMk cId="821240103" sldId="275"/>
         </pc:sldMkLst>
       </pc:sldChg>
-      <pc:sldChg chg="modNotesTx">
-        <pc:chgData name="나 현희" userId="a7b73e83492eed8a" providerId="LiveId" clId="{281A6C27-8DF7-4C7F-ACDD-C1D437CC2FEA}" dt="2023-03-24T06:58:13.252" v="447" actId="20577"/>
+      <pc:sldChg chg="modNotes modNotesTx">
+        <pc:chgData name="나 현희" userId="a7b73e83492eed8a" providerId="LiveId" clId="{281A6C27-8DF7-4C7F-ACDD-C1D437CC2FEA}" dt="2023-03-29T04:49:11.575" v="452" actId="27636"/>
         <pc:sldMkLst>
           <pc:docMk/>
           <pc:sldMk cId="3890144068" sldId="276"/>
         </pc:sldMkLst>
+      </pc:sldChg>
+      <pc:sldChg chg="addSp delSp modSp">
+        <pc:chgData name="나 현희" userId="a7b73e83492eed8a" providerId="LiveId" clId="{281A6C27-8DF7-4C7F-ACDD-C1D437CC2FEA}" dt="2023-03-29T04:49:11.550" v="451"/>
+        <pc:sldMkLst>
+          <pc:docMk/>
+          <pc:sldMk cId="3730210517" sldId="284"/>
+        </pc:sldMkLst>
+        <pc:picChg chg="add del mod">
+          <ac:chgData name="나 현희" userId="a7b73e83492eed8a" providerId="LiveId" clId="{281A6C27-8DF7-4C7F-ACDD-C1D437CC2FEA}" dt="2023-03-29T04:49:11.550" v="451"/>
+          <ac:picMkLst>
+            <pc:docMk/>
+            <pc:sldMk cId="3730210517" sldId="284"/>
+            <ac:picMk id="3" creationId="{DFB0E494-D30A-79AC-4C4C-2FE972D52D2C}"/>
+          </ac:picMkLst>
+        </pc:picChg>
       </pc:sldChg>
     </pc:docChg>
   </pc:docChgLst>
@@ -314,7 +329,7 @@
             <a:fld id="{01015650-063C-455C-8B59-3D8A2C6803D6}" type="datetimeFigureOut">
               <a:rPr lang="ko-KR" altLang="en-US" smtClean="0"/>
               <a:pPr/>
-              <a:t>2023-03-24</a:t>
+              <a:t>2023-03-29</a:t>
             </a:fld>
             <a:endParaRPr lang="ko-KR" altLang="en-US"/>
           </a:p>
@@ -1542,7 +1557,7 @@
         <p:spPr/>
         <p:txBody>
           <a:bodyPr>
-            <a:normAutofit fontScale="92500"/>
+            <a:normAutofit/>
           </a:bodyPr>
           <a:lstStyle/>
           <a:p>
@@ -4304,7 +4319,7 @@
             <a:fld id="{7C350D00-E9DF-4C32-8EF9-982D014E2409}" type="datetimeFigureOut">
               <a:rPr lang="ko-KR" altLang="en-US" smtClean="0"/>
               <a:pPr/>
-              <a:t>2023-03-24</a:t>
+              <a:t>2023-03-29</a:t>
             </a:fld>
             <a:endParaRPr lang="ko-KR" altLang="en-US"/>
           </a:p>
@@ -4469,7 +4484,7 @@
             <a:fld id="{7C350D00-E9DF-4C32-8EF9-982D014E2409}" type="datetimeFigureOut">
               <a:rPr lang="ko-KR" altLang="en-US" smtClean="0"/>
               <a:pPr/>
-              <a:t>2023-03-24</a:t>
+              <a:t>2023-03-29</a:t>
             </a:fld>
             <a:endParaRPr lang="ko-KR" altLang="en-US"/>
           </a:p>
@@ -4644,7 +4659,7 @@
             <a:fld id="{7C350D00-E9DF-4C32-8EF9-982D014E2409}" type="datetimeFigureOut">
               <a:rPr lang="ko-KR" altLang="en-US" smtClean="0"/>
               <a:pPr/>
-              <a:t>2023-03-24</a:t>
+              <a:t>2023-03-29</a:t>
             </a:fld>
             <a:endParaRPr lang="ko-KR" altLang="en-US"/>
           </a:p>
@@ -4809,7 +4824,7 @@
             <a:fld id="{7C350D00-E9DF-4C32-8EF9-982D014E2409}" type="datetimeFigureOut">
               <a:rPr lang="ko-KR" altLang="en-US" smtClean="0"/>
               <a:pPr/>
-              <a:t>2023-03-24</a:t>
+              <a:t>2023-03-29</a:t>
             </a:fld>
             <a:endParaRPr lang="ko-KR" altLang="en-US"/>
           </a:p>
@@ -5051,7 +5066,7 @@
             <a:fld id="{7C350D00-E9DF-4C32-8EF9-982D014E2409}" type="datetimeFigureOut">
               <a:rPr lang="ko-KR" altLang="en-US" smtClean="0"/>
               <a:pPr/>
-              <a:t>2023-03-24</a:t>
+              <a:t>2023-03-29</a:t>
             </a:fld>
             <a:endParaRPr lang="ko-KR" altLang="en-US"/>
           </a:p>
@@ -5333,7 +5348,7 @@
             <a:fld id="{7C350D00-E9DF-4C32-8EF9-982D014E2409}" type="datetimeFigureOut">
               <a:rPr lang="ko-KR" altLang="en-US" smtClean="0"/>
               <a:pPr/>
-              <a:t>2023-03-24</a:t>
+              <a:t>2023-03-29</a:t>
             </a:fld>
             <a:endParaRPr lang="ko-KR" altLang="en-US"/>
           </a:p>
@@ -5754,7 +5769,7 @@
             <a:fld id="{7C350D00-E9DF-4C32-8EF9-982D014E2409}" type="datetimeFigureOut">
               <a:rPr lang="ko-KR" altLang="en-US" smtClean="0"/>
               <a:pPr/>
-              <a:t>2023-03-24</a:t>
+              <a:t>2023-03-29</a:t>
             </a:fld>
             <a:endParaRPr lang="ko-KR" altLang="en-US"/>
           </a:p>
@@ -5868,7 +5883,7 @@
             <a:fld id="{7C350D00-E9DF-4C32-8EF9-982D014E2409}" type="datetimeFigureOut">
               <a:rPr lang="ko-KR" altLang="en-US" smtClean="0"/>
               <a:pPr/>
-              <a:t>2023-03-24</a:t>
+              <a:t>2023-03-29</a:t>
             </a:fld>
             <a:endParaRPr lang="ko-KR" altLang="en-US"/>
           </a:p>
@@ -5960,7 +5975,7 @@
             <a:fld id="{7C350D00-E9DF-4C32-8EF9-982D014E2409}" type="datetimeFigureOut">
               <a:rPr lang="ko-KR" altLang="en-US" smtClean="0"/>
               <a:pPr/>
-              <a:t>2023-03-24</a:t>
+              <a:t>2023-03-29</a:t>
             </a:fld>
             <a:endParaRPr lang="ko-KR" altLang="en-US"/>
           </a:p>
@@ -6232,7 +6247,7 @@
             <a:fld id="{7C350D00-E9DF-4C32-8EF9-982D014E2409}" type="datetimeFigureOut">
               <a:rPr lang="ko-KR" altLang="en-US" smtClean="0"/>
               <a:pPr/>
-              <a:t>2023-03-24</a:t>
+              <a:t>2023-03-29</a:t>
             </a:fld>
             <a:endParaRPr lang="ko-KR" altLang="en-US"/>
           </a:p>
@@ -6481,7 +6496,7 @@
             <a:fld id="{7C350D00-E9DF-4C32-8EF9-982D014E2409}" type="datetimeFigureOut">
               <a:rPr lang="ko-KR" altLang="en-US" smtClean="0"/>
               <a:pPr/>
-              <a:t>2023-03-24</a:t>
+              <a:t>2023-03-29</a:t>
             </a:fld>
             <a:endParaRPr lang="ko-KR" altLang="en-US"/>
           </a:p>
@@ -6689,7 +6704,7 @@
             <a:fld id="{7C350D00-E9DF-4C32-8EF9-982D014E2409}" type="datetimeFigureOut">
               <a:rPr lang="ko-KR" altLang="en-US" smtClean="0"/>
               <a:pPr/>
-              <a:t>2023-03-24</a:t>
+              <a:t>2023-03-29</a:t>
             </a:fld>
             <a:endParaRPr lang="ko-KR" altLang="en-US"/>
           </a:p>

--- a/ppt/0324_2조 프로젝트 주제 발표.pptx
+++ b/ppt/0324_2조 프로젝트 주제 발표.pptx
@@ -329,7 +329,7 @@
             <a:fld id="{01015650-063C-455C-8B59-3D8A2C6803D6}" type="datetimeFigureOut">
               <a:rPr lang="ko-KR" altLang="en-US" smtClean="0"/>
               <a:pPr/>
-              <a:t>2023-03-29</a:t>
+              <a:t>2023-03-30</a:t>
             </a:fld>
             <a:endParaRPr lang="ko-KR" altLang="en-US"/>
           </a:p>
@@ -1670,7 +1670,7 @@
               <a:t>2000</a:t>
             </a:r>
             <a:r>
-              <a:rPr lang="ko-KR" altLang="en-US" b="0" i="0">
+              <a:rPr lang="ko-KR" altLang="en-US" b="0" i="0" dirty="0">
                 <a:solidFill>
                   <a:srgbClr val="ECECEC"/>
                 </a:solidFill>
@@ -1680,7 +1680,7 @@
               <a:t>여명의 </a:t>
             </a:r>
             <a:r>
-              <a:rPr lang="en-US" altLang="ko-KR" b="0" i="0">
+              <a:rPr lang="en-US" altLang="ko-KR" b="0" i="0" dirty="0">
                 <a:solidFill>
                   <a:srgbClr val="ECECEC"/>
                 </a:solidFill>
@@ -4319,7 +4319,7 @@
             <a:fld id="{7C350D00-E9DF-4C32-8EF9-982D014E2409}" type="datetimeFigureOut">
               <a:rPr lang="ko-KR" altLang="en-US" smtClean="0"/>
               <a:pPr/>
-              <a:t>2023-03-29</a:t>
+              <a:t>2023-03-30</a:t>
             </a:fld>
             <a:endParaRPr lang="ko-KR" altLang="en-US"/>
           </a:p>
@@ -4484,7 +4484,7 @@
             <a:fld id="{7C350D00-E9DF-4C32-8EF9-982D014E2409}" type="datetimeFigureOut">
               <a:rPr lang="ko-KR" altLang="en-US" smtClean="0"/>
               <a:pPr/>
-              <a:t>2023-03-29</a:t>
+              <a:t>2023-03-30</a:t>
             </a:fld>
             <a:endParaRPr lang="ko-KR" altLang="en-US"/>
           </a:p>
@@ -4659,7 +4659,7 @@
             <a:fld id="{7C350D00-E9DF-4C32-8EF9-982D014E2409}" type="datetimeFigureOut">
               <a:rPr lang="ko-KR" altLang="en-US" smtClean="0"/>
               <a:pPr/>
-              <a:t>2023-03-29</a:t>
+              <a:t>2023-03-30</a:t>
             </a:fld>
             <a:endParaRPr lang="ko-KR" altLang="en-US"/>
           </a:p>
@@ -4824,7 +4824,7 @@
             <a:fld id="{7C350D00-E9DF-4C32-8EF9-982D014E2409}" type="datetimeFigureOut">
               <a:rPr lang="ko-KR" altLang="en-US" smtClean="0"/>
               <a:pPr/>
-              <a:t>2023-03-29</a:t>
+              <a:t>2023-03-30</a:t>
             </a:fld>
             <a:endParaRPr lang="ko-KR" altLang="en-US"/>
           </a:p>
@@ -5066,7 +5066,7 @@
             <a:fld id="{7C350D00-E9DF-4C32-8EF9-982D014E2409}" type="datetimeFigureOut">
               <a:rPr lang="ko-KR" altLang="en-US" smtClean="0"/>
               <a:pPr/>
-              <a:t>2023-03-29</a:t>
+              <a:t>2023-03-30</a:t>
             </a:fld>
             <a:endParaRPr lang="ko-KR" altLang="en-US"/>
           </a:p>
@@ -5348,7 +5348,7 @@
             <a:fld id="{7C350D00-E9DF-4C32-8EF9-982D014E2409}" type="datetimeFigureOut">
               <a:rPr lang="ko-KR" altLang="en-US" smtClean="0"/>
               <a:pPr/>
-              <a:t>2023-03-29</a:t>
+              <a:t>2023-03-30</a:t>
             </a:fld>
             <a:endParaRPr lang="ko-KR" altLang="en-US"/>
           </a:p>
@@ -5769,7 +5769,7 @@
             <a:fld id="{7C350D00-E9DF-4C32-8EF9-982D014E2409}" type="datetimeFigureOut">
               <a:rPr lang="ko-KR" altLang="en-US" smtClean="0"/>
               <a:pPr/>
-              <a:t>2023-03-29</a:t>
+              <a:t>2023-03-30</a:t>
             </a:fld>
             <a:endParaRPr lang="ko-KR" altLang="en-US"/>
           </a:p>
@@ -5883,7 +5883,7 @@
             <a:fld id="{7C350D00-E9DF-4C32-8EF9-982D014E2409}" type="datetimeFigureOut">
               <a:rPr lang="ko-KR" altLang="en-US" smtClean="0"/>
               <a:pPr/>
-              <a:t>2023-03-29</a:t>
+              <a:t>2023-03-30</a:t>
             </a:fld>
             <a:endParaRPr lang="ko-KR" altLang="en-US"/>
           </a:p>
@@ -5975,7 +5975,7 @@
             <a:fld id="{7C350D00-E9DF-4C32-8EF9-982D014E2409}" type="datetimeFigureOut">
               <a:rPr lang="ko-KR" altLang="en-US" smtClean="0"/>
               <a:pPr/>
-              <a:t>2023-03-29</a:t>
+              <a:t>2023-03-30</a:t>
             </a:fld>
             <a:endParaRPr lang="ko-KR" altLang="en-US"/>
           </a:p>
@@ -6247,7 +6247,7 @@
             <a:fld id="{7C350D00-E9DF-4C32-8EF9-982D014E2409}" type="datetimeFigureOut">
               <a:rPr lang="ko-KR" altLang="en-US" smtClean="0"/>
               <a:pPr/>
-              <a:t>2023-03-29</a:t>
+              <a:t>2023-03-30</a:t>
             </a:fld>
             <a:endParaRPr lang="ko-KR" altLang="en-US"/>
           </a:p>
@@ -6496,7 +6496,7 @@
             <a:fld id="{7C350D00-E9DF-4C32-8EF9-982D014E2409}" type="datetimeFigureOut">
               <a:rPr lang="ko-KR" altLang="en-US" smtClean="0"/>
               <a:pPr/>
-              <a:t>2023-03-29</a:t>
+              <a:t>2023-03-30</a:t>
             </a:fld>
             <a:endParaRPr lang="ko-KR" altLang="en-US"/>
           </a:p>
@@ -6704,7 +6704,7 @@
             <a:fld id="{7C350D00-E9DF-4C32-8EF9-982D014E2409}" type="datetimeFigureOut">
               <a:rPr lang="ko-KR" altLang="en-US" smtClean="0"/>
               <a:pPr/>
-              <a:t>2023-03-29</a:t>
+              <a:t>2023-03-30</a:t>
             </a:fld>
             <a:endParaRPr lang="ko-KR" altLang="en-US"/>
           </a:p>
